--- a/04_flow_events/04_flow_events.pptx
+++ b/04_flow_events/04_flow_events.pptx
@@ -4,36 +4,26 @@
   <p:sldMasterIdLst>
     <p:sldMasterId id="2147483648" r:id="rId1"/>
     <p:sldMasterId id="2147483664" r:id="rId3"/>
-    <p:sldMasterId id="2147483670" r:id="rId4"/>
+    <p:sldMasterId id="2147483671" r:id="rId4"/>
   </p:sldMasterIdLst>
   <p:notesMasterIdLst>
-    <p:notesMasterId r:id="rId29"/>
+    <p:notesMasterId r:id="rId19"/>
   </p:notesMasterIdLst>
   <p:sldIdLst>
-    <p:sldId id="314" r:id="rId5"/>
-    <p:sldId id="485" r:id="rId6"/>
+    <p:sldId id="522" r:id="rId5"/>
+    <p:sldId id="523" r:id="rId6"/>
     <p:sldId id="484" r:id="rId7"/>
-    <p:sldId id="494" r:id="rId8"/>
-    <p:sldId id="486" r:id="rId9"/>
-    <p:sldId id="495" r:id="rId10"/>
-    <p:sldId id="496" r:id="rId11"/>
-    <p:sldId id="472" r:id="rId12"/>
-    <p:sldId id="477" r:id="rId13"/>
-    <p:sldId id="478" r:id="rId14"/>
-    <p:sldId id="479" r:id="rId15"/>
-    <p:sldId id="475" r:id="rId16"/>
-    <p:sldId id="476" r:id="rId17"/>
-    <p:sldId id="480" r:id="rId18"/>
-    <p:sldId id="482" r:id="rId19"/>
-    <p:sldId id="483" r:id="rId20"/>
-    <p:sldId id="481" r:id="rId21"/>
-    <p:sldId id="489" r:id="rId22"/>
-    <p:sldId id="490" r:id="rId23"/>
-    <p:sldId id="491" r:id="rId24"/>
-    <p:sldId id="492" r:id="rId25"/>
-    <p:sldId id="488" r:id="rId26"/>
-    <p:sldId id="465" r:id="rId27"/>
-    <p:sldId id="464" r:id="rId28"/>
+    <p:sldId id="524" r:id="rId8"/>
+    <p:sldId id="494" r:id="rId9"/>
+    <p:sldId id="516" r:id="rId10"/>
+    <p:sldId id="517" r:id="rId11"/>
+    <p:sldId id="525" r:id="rId12"/>
+    <p:sldId id="519" r:id="rId13"/>
+    <p:sldId id="520" r:id="rId14"/>
+    <p:sldId id="536" r:id="rId15"/>
+    <p:sldId id="518" r:id="rId16"/>
+    <p:sldId id="465" r:id="rId17"/>
+    <p:sldId id="464" r:id="rId18"/>
   </p:sldIdLst>
   <p:sldSz cx="12192000" cy="6858000"/>
   <p:notesSz cx="6858000" cy="9144000"/>
@@ -2951,7 +2941,15 @@
 
 <file path=ppt/slideLayouts/slideLayout22.xml><?xml version="1.0" encoding="utf-8"?>
 <p:sldLayout xmlns:a="http://schemas.openxmlformats.org/drawingml/2006/main" xmlns:r="http://schemas.openxmlformats.org/officeDocument/2006/relationships" xmlns:p="http://schemas.openxmlformats.org/presentationml/2006/main" preserve="1" userDrawn="1">
-  <p:cSld name="Separador texto">
+  <p:cSld name="2_Separador titular">
+    <p:bg>
+      <p:bgPr>
+        <a:solidFill>
+          <a:srgbClr val="173962"/>
+        </a:solidFill>
+        <a:effectLst/>
+      </p:bgPr>
+    </p:bg>
     <p:spTree>
       <p:nvGrpSpPr>
         <p:cNvPr id="1" name=""/>
@@ -2968,20 +2966,20 @@
       </p:grpSpPr>
       <p:sp>
         <p:nvSpPr>
-          <p:cNvPr id="6" name="5 Rectángulo"/>
+          <p:cNvPr id="7" name="6 Rectángulo"/>
           <p:cNvSpPr/>
           <p:nvPr userDrawn="1"/>
         </p:nvSpPr>
         <p:spPr>
           <a:xfrm>
-            <a:off x="0" y="1"/>
-            <a:ext cx="12192000" cy="6858000"/>
+            <a:off x="1295467" y="5155592"/>
+            <a:ext cx="96011" cy="863297"/>
           </a:xfrm>
           <a:prstGeom prst="rect">
             <a:avLst/>
           </a:prstGeom>
           <a:solidFill>
-            <a:srgbClr val="173962"/>
+            <a:schemeClr val="bg1"/>
           </a:solidFill>
           <a:ln>
             <a:noFill/>
@@ -3008,26 +3006,100 @@
           <a:lstStyle/>
           <a:p>
             <a:pPr algn="ctr"/>
-            <a:endParaRPr lang="fr-FR" sz="3195"/>
-          </a:p>
-        </p:txBody>
-      </p:sp>
-      <p:sp>
-        <p:nvSpPr>
-          <p:cNvPr id="7" name="6 Rectángulo"/>
+            <a:endParaRPr lang="fr-FR" sz="3195">
+              <a:ln>
+                <a:noFill/>
+              </a:ln>
+              <a:solidFill>
+                <a:schemeClr val="bg1"/>
+              </a:solidFill>
+            </a:endParaRPr>
+          </a:p>
+        </p:txBody>
+      </p:sp>
+      <p:sp>
+        <p:nvSpPr>
+          <p:cNvPr id="10" name="20 Título"/>
+          <p:cNvSpPr>
+            <a:spLocks noGrp="1"/>
+          </p:cNvSpPr>
+          <p:nvPr>
+            <p:ph type="title" hasCustomPrompt="1"/>
+          </p:nvPr>
+        </p:nvSpPr>
+        <p:spPr>
+          <a:xfrm>
+            <a:off x="1487488" y="5155593"/>
+            <a:ext cx="7584744" cy="859035"/>
+          </a:xfrm>
+          <a:prstGeom prst="rect">
+            <a:avLst/>
+          </a:prstGeom>
+        </p:spPr>
+        <p:txBody>
+          <a:bodyPr>
+            <a:normAutofit/>
+          </a:bodyPr>
+          <a:lstStyle>
+            <a:lvl1pPr algn="l">
+              <a:defRPr sz="4265">
+                <a:solidFill>
+                  <a:schemeClr val="bg1"/>
+                </a:solidFill>
+                <a:latin typeface="Bebas Neue Regular" panose="00000500000000000000" pitchFamily="50" charset="0"/>
+              </a:defRPr>
+            </a:lvl1pPr>
+          </a:lstStyle>
+          <a:p>
+            <a:r>
+              <a:rPr lang="es-ES" dirty="0"/>
+              <a:t>Título</a:t>
+            </a:r>
+            <a:endParaRPr lang="fr-FR" dirty="0"/>
+          </a:p>
+        </p:txBody>
+      </p:sp>
+    </p:spTree>
+  </p:cSld>
+  <p:clrMapOvr>
+    <a:masterClrMapping/>
+  </p:clrMapOvr>
+</p:sldLayout>
+</file>
+
+<file path=ppt/slideLayouts/slideLayout23.xml><?xml version="1.0" encoding="utf-8"?>
+<p:sldLayout xmlns:a="http://schemas.openxmlformats.org/drawingml/2006/main" xmlns:r="http://schemas.openxmlformats.org/officeDocument/2006/relationships" xmlns:p="http://schemas.openxmlformats.org/presentationml/2006/main" preserve="1" userDrawn="1">
+  <p:cSld name="Separador texto">
+    <p:spTree>
+      <p:nvGrpSpPr>
+        <p:cNvPr id="1" name=""/>
+        <p:cNvGrpSpPr/>
+        <p:nvPr/>
+      </p:nvGrpSpPr>
+      <p:grpSpPr>
+        <a:xfrm>
+          <a:off x="0" y="0"/>
+          <a:ext cx="0" cy="0"/>
+          <a:chOff x="0" y="0"/>
+          <a:chExt cx="0" cy="0"/>
+        </a:xfrm>
+      </p:grpSpPr>
+      <p:sp>
+        <p:nvSpPr>
+          <p:cNvPr id="6" name="5 Rectángulo"/>
           <p:cNvSpPr/>
           <p:nvPr userDrawn="1"/>
         </p:nvSpPr>
         <p:spPr>
           <a:xfrm>
-            <a:off x="1295467" y="5155592"/>
-            <a:ext cx="96011" cy="863297"/>
+            <a:off x="0" y="1"/>
+            <a:ext cx="12192000" cy="6858000"/>
           </a:xfrm>
           <a:prstGeom prst="rect">
             <a:avLst/>
           </a:prstGeom>
           <a:solidFill>
-            <a:schemeClr val="bg1"/>
+            <a:srgbClr val="173962"/>
           </a:solidFill>
           <a:ln>
             <a:noFill/>
@@ -3054,6 +3126,52 @@
           <a:lstStyle/>
           <a:p>
             <a:pPr algn="ctr"/>
+            <a:endParaRPr lang="fr-FR" sz="3195"/>
+          </a:p>
+        </p:txBody>
+      </p:sp>
+      <p:sp>
+        <p:nvSpPr>
+          <p:cNvPr id="7" name="6 Rectángulo"/>
+          <p:cNvSpPr/>
+          <p:nvPr userDrawn="1"/>
+        </p:nvSpPr>
+        <p:spPr>
+          <a:xfrm>
+            <a:off x="1295467" y="5155592"/>
+            <a:ext cx="96011" cy="863297"/>
+          </a:xfrm>
+          <a:prstGeom prst="rect">
+            <a:avLst/>
+          </a:prstGeom>
+          <a:solidFill>
+            <a:schemeClr val="bg1"/>
+          </a:solidFill>
+          <a:ln>
+            <a:noFill/>
+          </a:ln>
+        </p:spPr>
+        <p:style>
+          <a:lnRef idx="2">
+            <a:schemeClr val="accent1">
+              <a:shade val="50000"/>
+            </a:schemeClr>
+          </a:lnRef>
+          <a:fillRef idx="1">
+            <a:schemeClr val="accent1"/>
+          </a:fillRef>
+          <a:effectRef idx="0">
+            <a:schemeClr val="accent1"/>
+          </a:effectRef>
+          <a:fontRef idx="minor">
+            <a:schemeClr val="lt1"/>
+          </a:fontRef>
+        </p:style>
+        <p:txBody>
+          <a:bodyPr rtlCol="0" anchor="ctr"/>
+          <a:lstStyle/>
+          <a:p>
+            <a:pPr algn="ctr"/>
             <a:endParaRPr lang="fr-FR" sz="3195">
               <a:ln>
                 <a:noFill/>
@@ -3116,7 +3234,7 @@
 </p:sldLayout>
 </file>
 
-<file path=ppt/slideLayouts/slideLayout23.xml><?xml version="1.0" encoding="utf-8"?>
+<file path=ppt/slideLayouts/slideLayout24.xml><?xml version="1.0" encoding="utf-8"?>
 <p:sldLayout xmlns:a="http://schemas.openxmlformats.org/drawingml/2006/main" xmlns:r="http://schemas.openxmlformats.org/officeDocument/2006/relationships" xmlns:p="http://schemas.openxmlformats.org/presentationml/2006/main" preserve="1" userDrawn="1">
   <p:cSld name="3_Separador titular">
     <p:spTree>
@@ -3345,7 +3463,7 @@
 </p:sldLayout>
 </file>
 
-<file path=ppt/slideLayouts/slideLayout24.xml><?xml version="1.0" encoding="utf-8"?>
+<file path=ppt/slideLayouts/slideLayout25.xml><?xml version="1.0" encoding="utf-8"?>
 <p:sldLayout xmlns:a="http://schemas.openxmlformats.org/drawingml/2006/main" xmlns:r="http://schemas.openxmlformats.org/officeDocument/2006/relationships" xmlns:p="http://schemas.openxmlformats.org/presentationml/2006/main" preserve="1" userDrawn="1">
   <p:cSld name="10_Diseño personalizado">
     <p:bg>
@@ -3546,7 +3664,7 @@
 </p:sldLayout>
 </file>
 
-<file path=ppt/slideLayouts/slideLayout25.xml><?xml version="1.0" encoding="utf-8"?>
+<file path=ppt/slideLayouts/slideLayout26.xml><?xml version="1.0" encoding="utf-8"?>
 <p:sldLayout xmlns:a="http://schemas.openxmlformats.org/drawingml/2006/main" xmlns:r="http://schemas.openxmlformats.org/officeDocument/2006/relationships" xmlns:p="http://schemas.openxmlformats.org/presentationml/2006/main" preserve="1" userDrawn="1">
   <p:cSld name="1_Separador titular">
     <p:spTree>
@@ -3715,7 +3833,7 @@
 </p:sldLayout>
 </file>
 
-<file path=ppt/slideLayouts/slideLayout26.xml><?xml version="1.0" encoding="utf-8"?>
+<file path=ppt/slideLayouts/slideLayout27.xml><?xml version="1.0" encoding="utf-8"?>
 <p:sldLayout xmlns:a="http://schemas.openxmlformats.org/drawingml/2006/main" xmlns:r="http://schemas.openxmlformats.org/officeDocument/2006/relationships" xmlns:p="http://schemas.openxmlformats.org/presentationml/2006/main" preserve="1" userDrawn="1">
   <p:cSld name="5_Diseño personalizado">
     <p:bg>
@@ -3754,7 +3872,7 @@
 </p:sldLayout>
 </file>
 
-<file path=ppt/slideLayouts/slideLayout27.xml><?xml version="1.0" encoding="utf-8"?>
+<file path=ppt/slideLayouts/slideLayout28.xml><?xml version="1.0" encoding="utf-8"?>
 <p:sldLayout xmlns:a="http://schemas.openxmlformats.org/drawingml/2006/main" xmlns:r="http://schemas.openxmlformats.org/officeDocument/2006/relationships" xmlns:p="http://schemas.openxmlformats.org/presentationml/2006/main" preserve="1" userDrawn="1">
   <p:cSld name="6_Diseño personalizado">
     <p:bg>
@@ -3949,7 +4067,7 @@
 </p:sldLayout>
 </file>
 
-<file path=ppt/slideLayouts/slideLayout28.xml><?xml version="1.0" encoding="utf-8"?>
+<file path=ppt/slideLayouts/slideLayout29.xml><?xml version="1.0" encoding="utf-8"?>
 <p:sldLayout xmlns:a="http://schemas.openxmlformats.org/drawingml/2006/main" xmlns:r="http://schemas.openxmlformats.org/officeDocument/2006/relationships" xmlns:p="http://schemas.openxmlformats.org/presentationml/2006/main" preserve="1" userDrawn="1">
   <p:cSld name="11_Diseño personalizado">
     <p:bg>
@@ -5941,6 +6059,7 @@
     <p:sldLayoutId id="2147483667" r:id="rId3"/>
     <p:sldLayoutId id="2147483668" r:id="rId4"/>
     <p:sldLayoutId id="2147483669" r:id="rId5"/>
+    <p:sldLayoutId id="2147483670" r:id="rId6"/>
   </p:sldLayoutIdLst>
   <p:txStyles>
     <p:titleStyle>
@@ -6224,14 +6343,14 @@
   </p:cSld>
   <p:clrMap bg1="lt1" tx1="dk1" bg2="lt2" tx2="dk2" accent1="accent1" accent2="accent2" accent3="accent3" accent4="accent4" accent5="accent5" accent6="accent6" hlink="hlink" folHlink="folHlink"/>
   <p:sldLayoutIdLst>
-    <p:sldLayoutId id="2147483671" r:id="rId1"/>
-    <p:sldLayoutId id="2147483672" r:id="rId2"/>
-    <p:sldLayoutId id="2147483673" r:id="rId3"/>
-    <p:sldLayoutId id="2147483674" r:id="rId4"/>
-    <p:sldLayoutId id="2147483675" r:id="rId5"/>
-    <p:sldLayoutId id="2147483676" r:id="rId6"/>
-    <p:sldLayoutId id="2147483677" r:id="rId7"/>
-    <p:sldLayoutId id="2147483678" r:id="rId8"/>
+    <p:sldLayoutId id="2147483672" r:id="rId1"/>
+    <p:sldLayoutId id="2147483673" r:id="rId2"/>
+    <p:sldLayoutId id="2147483674" r:id="rId3"/>
+    <p:sldLayoutId id="2147483675" r:id="rId4"/>
+    <p:sldLayoutId id="2147483676" r:id="rId5"/>
+    <p:sldLayoutId id="2147483677" r:id="rId6"/>
+    <p:sldLayoutId id="2147483678" r:id="rId7"/>
+    <p:sldLayoutId id="2147483679" r:id="rId8"/>
   </p:sldLayoutIdLst>
   <p:txStyles>
     <p:titleStyle>
@@ -6541,7 +6660,7 @@
         </p:nvSpPr>
         <p:spPr>
           <a:xfrm>
-            <a:off x="7582535" y="4660900"/>
+            <a:off x="4011930" y="4591050"/>
             <a:ext cx="4169410" cy="441960"/>
           </a:xfrm>
           <a:prstGeom prst="rect">
@@ -6711,139 +6830,6 @@
           </a:p>
         </p:txBody>
       </p:sp>
-      <p:sp>
-        <p:nvSpPr>
-          <p:cNvPr id="6" name="2 Marcador de pie de página"/>
-          <p:cNvSpPr txBox="1"/>
-          <p:nvPr/>
-        </p:nvSpPr>
-        <p:spPr>
-          <a:xfrm>
-            <a:off x="4167386" y="4001374"/>
-            <a:ext cx="3857228" cy="363730"/>
-          </a:xfrm>
-          <a:prstGeom prst="rect">
-            <a:avLst/>
-          </a:prstGeom>
-        </p:spPr>
-        <p:txBody>
-          <a:bodyPr vert="horz" lIns="91440" tIns="45720" rIns="91440" bIns="45720" rtlCol="0" anchor="ctr"/>
-          <a:lstStyle>
-            <a:defPPr>
-              <a:defRPr lang="fr-FR"/>
-            </a:defPPr>
-            <a:lvl1pPr marL="0" algn="ctr" defTabSz="1218565" rtl="0" eaLnBrk="1" latinLnBrk="0" hangingPunct="1">
-              <a:defRPr sz="1600" kern="1200">
-                <a:solidFill>
-                  <a:schemeClr val="tx1">
-                    <a:tint val="75000"/>
-                  </a:schemeClr>
-                </a:solidFill>
-                <a:latin typeface="+mn-lt"/>
-                <a:ea typeface="+mn-ea"/>
-                <a:cs typeface="+mn-cs"/>
-              </a:defRPr>
-            </a:lvl1pPr>
-            <a:lvl2pPr marL="609600" algn="l" defTabSz="1218565" rtl="0" eaLnBrk="1" latinLnBrk="0" hangingPunct="1">
-              <a:defRPr sz="2400" kern="1200">
-                <a:solidFill>
-                  <a:schemeClr val="tx1"/>
-                </a:solidFill>
-                <a:latin typeface="+mn-lt"/>
-                <a:ea typeface="+mn-ea"/>
-                <a:cs typeface="+mn-cs"/>
-              </a:defRPr>
-            </a:lvl2pPr>
-            <a:lvl3pPr marL="1218565" algn="l" defTabSz="1218565" rtl="0" eaLnBrk="1" latinLnBrk="0" hangingPunct="1">
-              <a:defRPr sz="2400" kern="1200">
-                <a:solidFill>
-                  <a:schemeClr val="tx1"/>
-                </a:solidFill>
-                <a:latin typeface="+mn-lt"/>
-                <a:ea typeface="+mn-ea"/>
-                <a:cs typeface="+mn-cs"/>
-              </a:defRPr>
-            </a:lvl3pPr>
-            <a:lvl4pPr marL="1828165" algn="l" defTabSz="1218565" rtl="0" eaLnBrk="1" latinLnBrk="0" hangingPunct="1">
-              <a:defRPr sz="2400" kern="1200">
-                <a:solidFill>
-                  <a:schemeClr val="tx1"/>
-                </a:solidFill>
-                <a:latin typeface="+mn-lt"/>
-                <a:ea typeface="+mn-ea"/>
-                <a:cs typeface="+mn-cs"/>
-              </a:defRPr>
-            </a:lvl4pPr>
-            <a:lvl5pPr marL="2437130" algn="l" defTabSz="1218565" rtl="0" eaLnBrk="1" latinLnBrk="0" hangingPunct="1">
-              <a:defRPr sz="2400" kern="1200">
-                <a:solidFill>
-                  <a:schemeClr val="tx1"/>
-                </a:solidFill>
-                <a:latin typeface="+mn-lt"/>
-                <a:ea typeface="+mn-ea"/>
-                <a:cs typeface="+mn-cs"/>
-              </a:defRPr>
-            </a:lvl5pPr>
-            <a:lvl6pPr marL="3046730" algn="l" defTabSz="1218565" rtl="0" eaLnBrk="1" latinLnBrk="0" hangingPunct="1">
-              <a:defRPr sz="2400" kern="1200">
-                <a:solidFill>
-                  <a:schemeClr val="tx1"/>
-                </a:solidFill>
-                <a:latin typeface="+mn-lt"/>
-                <a:ea typeface="+mn-ea"/>
-                <a:cs typeface="+mn-cs"/>
-              </a:defRPr>
-            </a:lvl6pPr>
-            <a:lvl7pPr marL="3656330" algn="l" defTabSz="1218565" rtl="0" eaLnBrk="1" latinLnBrk="0" hangingPunct="1">
-              <a:defRPr sz="2400" kern="1200">
-                <a:solidFill>
-                  <a:schemeClr val="tx1"/>
-                </a:solidFill>
-                <a:latin typeface="+mn-lt"/>
-                <a:ea typeface="+mn-ea"/>
-                <a:cs typeface="+mn-cs"/>
-              </a:defRPr>
-            </a:lvl7pPr>
-            <a:lvl8pPr marL="4265295" algn="l" defTabSz="1218565" rtl="0" eaLnBrk="1" latinLnBrk="0" hangingPunct="1">
-              <a:defRPr sz="2400" kern="1200">
-                <a:solidFill>
-                  <a:schemeClr val="tx1"/>
-                </a:solidFill>
-                <a:latin typeface="+mn-lt"/>
-                <a:ea typeface="+mn-ea"/>
-                <a:cs typeface="+mn-cs"/>
-              </a:defRPr>
-            </a:lvl8pPr>
-            <a:lvl9pPr marL="4874895" algn="l" defTabSz="1218565" rtl="0" eaLnBrk="1" latinLnBrk="0" hangingPunct="1">
-              <a:defRPr sz="2400" kern="1200">
-                <a:solidFill>
-                  <a:schemeClr val="tx1"/>
-                </a:solidFill>
-                <a:latin typeface="+mn-lt"/>
-                <a:ea typeface="+mn-ea"/>
-                <a:cs typeface="+mn-cs"/>
-              </a:defRPr>
-            </a:lvl9pPr>
-          </a:lstStyle>
-          <a:p>
-            <a:pPr>
-              <a:lnSpc>
-                <a:spcPct val="150000"/>
-              </a:lnSpc>
-            </a:pPr>
-            <a:endParaRPr lang="es-ES" sz="1865" b="1" dirty="0">
-              <a:solidFill>
-                <a:schemeClr val="accent1">
-                  <a:lumMod val="20000"/>
-                  <a:lumOff val="80000"/>
-                </a:schemeClr>
-              </a:solidFill>
-              <a:latin typeface="Roboto Light" panose="02000000000000000000" pitchFamily="2" charset="0"/>
-              <a:ea typeface="Roboto Light" panose="02000000000000000000" pitchFamily="2" charset="0"/>
-            </a:endParaRPr>
-          </a:p>
-        </p:txBody>
-      </p:sp>
     </p:spTree>
   </p:cSld>
   <p:clrMapOvr>
@@ -6864,7 +6850,7 @@
       <p:grpSpPr/>
       <p:sp>
         <p:nvSpPr>
-          <p:cNvPr id="2" name="Title 1"/>
+          <p:cNvPr id="2" name="Título 1"/>
           <p:cNvSpPr>
             <a:spLocks noGrp="1"/>
           </p:cNvSpPr>
@@ -6880,15 +6866,18 @@
               <a:rPr lang="es-ES" altLang="en-US">
                 <a:sym typeface="+mn-ea"/>
               </a:rPr>
-              <a:t>TsLint</a:t>
+              <a:t>RxJS</a:t>
             </a:r>
-            <a:endParaRPr lang="en-US"/>
-          </a:p>
-        </p:txBody>
-      </p:sp>
-      <p:sp>
-        <p:nvSpPr>
-          <p:cNvPr id="3" name="Text Placeholder 2"/>
+            <a:br>
+              <a:rPr lang="es-ES" altLang="en-US"/>
+            </a:br>
+            <a:endParaRPr lang="es-ES" altLang="en-US"/>
+          </a:p>
+        </p:txBody>
+      </p:sp>
+      <p:sp>
+        <p:nvSpPr>
+          <p:cNvPr id="3" name="Marcador de posición de texto 2"/>
           <p:cNvSpPr>
             <a:spLocks noGrp="1"/>
           </p:cNvSpPr>
@@ -6901,23 +6890,23 @@
           <a:bodyPr/>
           <a:p>
             <a:r>
-              <a:rPr lang="en-US"/>
-              <a:t>Rule: max-line-length</a:t>
+              <a:rPr lang="es-ES" altLang="en-US"/>
+              <a:t>Operators</a:t>
             </a:r>
-            <a:endParaRPr lang="en-US"/>
-          </a:p>
-        </p:txBody>
-      </p:sp>
-      <p:sp>
-        <p:nvSpPr>
-          <p:cNvPr id="4" name="Text Box 3"/>
+            <a:endParaRPr lang="es-ES" altLang="en-US"/>
+          </a:p>
+        </p:txBody>
+      </p:sp>
+      <p:sp>
+        <p:nvSpPr>
+          <p:cNvPr id="5" name="Cuadro de texto 4"/>
           <p:cNvSpPr txBox="1"/>
           <p:nvPr/>
         </p:nvSpPr>
         <p:spPr>
           <a:xfrm>
-            <a:off x="299085" y="1540510"/>
-            <a:ext cx="6065520" cy="829945"/>
+            <a:off x="299085" y="1892300"/>
+            <a:ext cx="5539105" cy="1198880"/>
           </a:xfrm>
           <a:prstGeom prst="rect">
             <a:avLst/>
@@ -6930,45 +6919,37 @@
           </a:bodyPr>
           <a:p>
             <a:r>
-              <a:rPr lang="en-US"/>
-              <a:t>Requires lines to be under a certain max length.</a:t>
+              <a:rPr lang="es-ES" altLang="en-US"/>
+              <a:t>An Operator is essentially a pure function which takes one Observable as input and generates another Observable as output.</a:t>
             </a:r>
-            <a:endParaRPr lang="en-US"/>
-          </a:p>
-          <a:p>
-            <a:endParaRPr lang="en-US"/>
-          </a:p>
-        </p:txBody>
-      </p:sp>
-      <p:sp>
-        <p:nvSpPr>
-          <p:cNvPr id="5" name="Text Box 4"/>
-          <p:cNvSpPr txBox="1"/>
+            <a:endParaRPr lang="es-ES" altLang="en-US"/>
+          </a:p>
+        </p:txBody>
+      </p:sp>
+      <p:pic>
+        <p:nvPicPr>
+          <p:cNvPr id="6" name="Imagen 5" descr="operators"/>
+          <p:cNvPicPr>
+            <a:picLocks noChangeAspect="1"/>
+          </p:cNvPicPr>
           <p:nvPr/>
-        </p:nvSpPr>
-        <p:spPr>
-          <a:xfrm>
-            <a:off x="299085" y="4556125"/>
-            <a:ext cx="11647805" cy="829945"/>
-          </a:xfrm>
-          <a:prstGeom prst="rect">
-            <a:avLst/>
-          </a:prstGeom>
-          <a:noFill/>
-        </p:spPr>
-        <p:txBody>
-          <a:bodyPr wrap="square" rtlCol="0" anchor="t">
-            <a:spAutoFit/>
-          </a:bodyPr>
-          <a:p>
-            <a:r>
-              <a:rPr lang="en-US"/>
-              <a:t>Limiting the length of a line of code improves code readability. It also makes comparing code side-by-side easier and improves compatibility with various editors, IDEs, and diff viewers.</a:t>
-            </a:r>
-            <a:endParaRPr lang="en-US"/>
-          </a:p>
-        </p:txBody>
-      </p:sp>
+        </p:nvPicPr>
+        <p:blipFill>
+          <a:blip r:embed="rId1"/>
+          <a:stretch>
+            <a:fillRect/>
+          </a:stretch>
+        </p:blipFill>
+        <p:spPr>
+          <a:xfrm>
+            <a:off x="6884670" y="1892300"/>
+            <a:ext cx="4404995" cy="2956560"/>
+          </a:xfrm>
+          <a:prstGeom prst="rect">
+            <a:avLst/>
+          </a:prstGeom>
+        </p:spPr>
+      </p:pic>
     </p:spTree>
   </p:cSld>
   <p:clrMapOvr>
@@ -6986,14 +6967,7 @@
         <p:cNvGrpSpPr/>
         <p:nvPr/>
       </p:nvGrpSpPr>
-      <p:grpSpPr>
-        <a:xfrm>
-          <a:off x="0" y="0"/>
-          <a:ext cx="0" cy="0"/>
-          <a:chOff x="0" y="0"/>
-          <a:chExt cx="0" cy="0"/>
-        </a:xfrm>
-      </p:grpSpPr>
+      <p:grpSpPr/>
       <p:sp>
         <p:nvSpPr>
           <p:cNvPr id="2" name="Título 1"/>
@@ -7007,13 +6981,55 @@
         <p:spPr/>
         <p:txBody>
           <a:bodyPr/>
-          <a:lstStyle/>
+          <a:p>
+            <a:endParaRPr lang="es-ES" altLang="en-US"/>
+          </a:p>
+        </p:txBody>
+      </p:sp>
+      <p:sp>
+        <p:nvSpPr>
+          <p:cNvPr id="3" name="Marcador de posición de texto 2"/>
+          <p:cNvSpPr>
+            <a:spLocks noGrp="1"/>
+          </p:cNvSpPr>
+          <p:nvPr>
+            <p:ph type="body" sz="quarter" idx="13"/>
+          </p:nvPr>
+        </p:nvSpPr>
+        <p:spPr/>
+        <p:txBody>
+          <a:bodyPr/>
+          <a:p>
+            <a:endParaRPr lang="es-ES" altLang="en-US"/>
+          </a:p>
+        </p:txBody>
+      </p:sp>
+      <p:sp>
+        <p:nvSpPr>
+          <p:cNvPr id="4" name="Cuadro de texto 3"/>
+          <p:cNvSpPr txBox="1"/>
+          <p:nvPr/>
+        </p:nvSpPr>
+        <p:spPr>
+          <a:xfrm>
+            <a:off x="2633980" y="2004695"/>
+            <a:ext cx="7205980" cy="460375"/>
+          </a:xfrm>
+          <a:prstGeom prst="rect">
+            <a:avLst/>
+          </a:prstGeom>
+          <a:noFill/>
+        </p:spPr>
+        <p:txBody>
+          <a:bodyPr wrap="square" rtlCol="0">
+            <a:spAutoFit/>
+          </a:bodyPr>
           <a:p>
             <a:r>
-              <a:rPr lang="es-ES" dirty="0"/>
-              <a:t>Funcionalidad</a:t>
+              <a:rPr lang="es-ES" altLang="en-US"/>
+              <a:t>Ejercicios Observables</a:t>
             </a:r>
-            <a:endParaRPr lang="es-ES" dirty="0"/>
+            <a:endParaRPr lang="es-ES" altLang="en-US"/>
           </a:p>
         </p:txBody>
       </p:sp>
@@ -7037,7 +7053,7 @@
       <p:grpSpPr/>
       <p:sp>
         <p:nvSpPr>
-          <p:cNvPr id="2" name="Title 1"/>
+          <p:cNvPr id="2" name="Título 1"/>
           <p:cNvSpPr>
             <a:spLocks noGrp="1"/>
           </p:cNvSpPr>
@@ -7049,19 +7065,13 @@
         <p:txBody>
           <a:bodyPr/>
           <a:p>
-            <a:r>
-              <a:rPr lang="es-ES" altLang="en-US">
-                <a:sym typeface="+mn-ea"/>
-              </a:rPr>
-              <a:t>TsLint</a:t>
-            </a:r>
-            <a:endParaRPr lang="en-US"/>
-          </a:p>
-        </p:txBody>
-      </p:sp>
-      <p:sp>
-        <p:nvSpPr>
-          <p:cNvPr id="3" name="Text Placeholder 2"/>
+            <a:endParaRPr lang="es-ES" altLang="en-US"/>
+          </a:p>
+        </p:txBody>
+      </p:sp>
+      <p:sp>
+        <p:nvSpPr>
+          <p:cNvPr id="3" name="Marcador de posición de texto 2"/>
           <p:cNvSpPr>
             <a:spLocks noGrp="1"/>
           </p:cNvSpPr>
@@ -7073,24 +7083,20 @@
         <p:txBody>
           <a:bodyPr/>
           <a:p>
-            <a:r>
-              <a:rPr lang="en-US"/>
-              <a:t>Rule: curly</a:t>
-            </a:r>
-            <a:endParaRPr lang="en-US"/>
-          </a:p>
-        </p:txBody>
-      </p:sp>
-      <p:sp>
-        <p:nvSpPr>
-          <p:cNvPr id="4" name="Text Box 3"/>
+            <a:endParaRPr lang="es-ES" altLang="en-US"/>
+          </a:p>
+        </p:txBody>
+      </p:sp>
+      <p:sp>
+        <p:nvSpPr>
+          <p:cNvPr id="4" name="Cuadro de texto 3"/>
           <p:cNvSpPr txBox="1"/>
           <p:nvPr/>
         </p:nvSpPr>
         <p:spPr>
           <a:xfrm>
-            <a:off x="2480310" y="2524760"/>
-            <a:ext cx="2540000" cy="1198880"/>
+            <a:off x="1203960" y="2256790"/>
+            <a:ext cx="9140190" cy="460375"/>
           </a:xfrm>
           <a:prstGeom prst="rect">
             <a:avLst/>
@@ -7098,42 +7104,29 @@
           <a:noFill/>
         </p:spPr>
         <p:txBody>
-          <a:bodyPr wrap="square" rtlCol="0" anchor="t">
+          <a:bodyPr wrap="square" rtlCol="0">
             <a:spAutoFit/>
           </a:bodyPr>
           <a:p>
+            <a:pPr lvl="1"/>
             <a:r>
-              <a:rPr lang="en-US"/>
-              <a:t>if (foo === bar)</a:t>
+              <a:rPr lang="es-ES" altLang="en-US"/>
+              <a:t>Communication</a:t>
             </a:r>
-            <a:endParaRPr lang="en-US"/>
-          </a:p>
-          <a:p>
-            <a:r>
-              <a:rPr lang="en-US"/>
-              <a:t>    foo++;</a:t>
-            </a:r>
-            <a:endParaRPr lang="en-US"/>
-          </a:p>
-          <a:p>
-            <a:r>
-              <a:rPr lang="en-US"/>
-              <a:t>    bar++;</a:t>
-            </a:r>
-            <a:endParaRPr lang="en-US"/>
-          </a:p>
-        </p:txBody>
-      </p:sp>
-      <p:sp>
-        <p:nvSpPr>
-          <p:cNvPr id="6" name="Text Box 5"/>
+            <a:endParaRPr lang="es-ES" altLang="en-US"/>
+          </a:p>
+        </p:txBody>
+      </p:sp>
+      <p:sp>
+        <p:nvSpPr>
+          <p:cNvPr id="5" name="Cuadro de texto 4"/>
           <p:cNvSpPr txBox="1"/>
           <p:nvPr/>
         </p:nvSpPr>
         <p:spPr>
           <a:xfrm>
-            <a:off x="534670" y="1636395"/>
-            <a:ext cx="7231380" cy="460375"/>
+            <a:off x="2252980" y="2717165"/>
+            <a:ext cx="7366000" cy="1568450"/>
           </a:xfrm>
           <a:prstGeom prst="rect">
             <a:avLst/>
@@ -7141,48 +7134,36 @@
           <a:noFill/>
         </p:spPr>
         <p:txBody>
-          <a:bodyPr wrap="square" rtlCol="0" anchor="t">
+          <a:bodyPr wrap="square" rtlCol="0">
             <a:spAutoFit/>
           </a:bodyPr>
           <a:p>
             <a:r>
               <a:rPr lang="es-ES" altLang="en-US"/>
-              <a:t>En</a:t>
+              <a:t>Subscribe</a:t>
             </a:r>
+            <a:endParaRPr lang="es-ES" altLang="en-US"/>
+          </a:p>
+          <a:p>
             <a:r>
-              <a:rPr lang="en-US"/>
-              <a:t>forces braces for if/for/do/while statements</a:t>
+              <a:rPr lang="es-ES" altLang="en-US"/>
+              <a:t>HttpRequest</a:t>
             </a:r>
-            <a:endParaRPr lang="en-US"/>
-          </a:p>
-        </p:txBody>
-      </p:sp>
-      <p:sp>
-        <p:nvSpPr>
-          <p:cNvPr id="7" name="Text Box 6"/>
-          <p:cNvSpPr txBox="1"/>
-          <p:nvPr/>
-        </p:nvSpPr>
-        <p:spPr>
-          <a:xfrm>
-            <a:off x="622935" y="4232275"/>
-            <a:ext cx="11252200" cy="1198880"/>
-          </a:xfrm>
-          <a:prstGeom prst="rect">
-            <a:avLst/>
-          </a:prstGeom>
-          <a:noFill/>
-        </p:spPr>
-        <p:txBody>
-          <a:bodyPr wrap="square" rtlCol="0" anchor="t">
-            <a:spAutoFit/>
-          </a:bodyPr>
+            <a:endParaRPr lang="es-ES" altLang="en-US"/>
+          </a:p>
           <a:p>
             <a:r>
-              <a:rPr lang="en-US"/>
-              <a:t>In the code above, the author almost certainly meant for both foo++ and bar++ to be executed only if foo === bar. However, they forgot braces and bar++ will be executed no matter what. This rule could prevent such a mistake.</a:t>
+              <a:rPr lang="es-ES" altLang="en-US"/>
+              <a:t>EventEmmiter</a:t>
             </a:r>
-            <a:endParaRPr lang="en-US"/>
+            <a:endParaRPr lang="es-ES" altLang="en-US"/>
+          </a:p>
+          <a:p>
+            <a:r>
+              <a:rPr lang="es-ES" altLang="en-US"/>
+              <a:t>AsyncPipe</a:t>
+            </a:r>
+            <a:endParaRPr lang="es-ES" altLang="en-US"/>
           </a:p>
         </p:txBody>
       </p:sp>
@@ -7195,1090 +7176,6 @@
 </file>
 
 <file path=ppt/slides/slide13.xml><?xml version="1.0" encoding="utf-8"?>
-<p:sld xmlns:a="http://schemas.openxmlformats.org/drawingml/2006/main" xmlns:r="http://schemas.openxmlformats.org/officeDocument/2006/relationships" xmlns:p="http://schemas.openxmlformats.org/presentationml/2006/main">
-  <p:cSld>
-    <p:spTree>
-      <p:nvGrpSpPr>
-        <p:cNvPr id="1" name=""/>
-        <p:cNvGrpSpPr/>
-        <p:nvPr/>
-      </p:nvGrpSpPr>
-      <p:grpSpPr/>
-      <p:sp>
-        <p:nvSpPr>
-          <p:cNvPr id="2" name="Title 1"/>
-          <p:cNvSpPr>
-            <a:spLocks noGrp="1"/>
-          </p:cNvSpPr>
-          <p:nvPr>
-            <p:ph type="title"/>
-          </p:nvPr>
-        </p:nvSpPr>
-        <p:spPr>
-          <a:xfrm>
-            <a:off x="299401" y="85261"/>
-            <a:ext cx="8051577" cy="659096"/>
-          </a:xfrm>
-        </p:spPr>
-        <p:txBody>
-          <a:bodyPr/>
-          <a:p>
-            <a:r>
-              <a:rPr lang="es-ES" altLang="en-US">
-                <a:sym typeface="+mn-ea"/>
-              </a:rPr>
-              <a:t>TsLint</a:t>
-            </a:r>
-            <a:endParaRPr lang="en-US"/>
-          </a:p>
-        </p:txBody>
-      </p:sp>
-      <p:sp>
-        <p:nvSpPr>
-          <p:cNvPr id="3" name="Text Placeholder 2"/>
-          <p:cNvSpPr>
-            <a:spLocks noGrp="1"/>
-          </p:cNvSpPr>
-          <p:nvPr>
-            <p:ph type="body" sz="quarter" idx="13"/>
-          </p:nvPr>
-        </p:nvSpPr>
-        <p:spPr>
-          <a:xfrm>
-            <a:off x="299400" y="744522"/>
-            <a:ext cx="6228401" cy="513014"/>
-          </a:xfrm>
-        </p:spPr>
-        <p:txBody>
-          <a:bodyPr/>
-          <a:p>
-            <a:r>
-              <a:rPr lang="en-US"/>
-              <a:t>Rule: import-blacklist</a:t>
-            </a:r>
-            <a:endParaRPr lang="en-US"/>
-          </a:p>
-        </p:txBody>
-      </p:sp>
-      <p:sp>
-        <p:nvSpPr>
-          <p:cNvPr id="4" name="Text Box 3"/>
-          <p:cNvSpPr txBox="1"/>
-          <p:nvPr/>
-        </p:nvSpPr>
-        <p:spPr>
-          <a:xfrm>
-            <a:off x="299085" y="1866265"/>
-            <a:ext cx="6622415" cy="1198880"/>
-          </a:xfrm>
-          <a:prstGeom prst="rect">
-            <a:avLst/>
-          </a:prstGeom>
-          <a:noFill/>
-        </p:spPr>
-        <p:txBody>
-          <a:bodyPr wrap="square" rtlCol="0" anchor="t">
-            <a:spAutoFit/>
-          </a:bodyPr>
-          <a:p>
-            <a:r>
-              <a:rPr lang="en-US"/>
-              <a:t>Disallows importing the specified modules directly via import and require. Instead only sub modules may be imported from that module.</a:t>
-            </a:r>
-            <a:endParaRPr lang="en-US"/>
-          </a:p>
-        </p:txBody>
-      </p:sp>
-      <p:sp>
-        <p:nvSpPr>
-          <p:cNvPr id="5" name="Text Box 4"/>
-          <p:cNvSpPr txBox="1"/>
-          <p:nvPr/>
-        </p:nvSpPr>
-        <p:spPr>
-          <a:xfrm>
-            <a:off x="299085" y="3305175"/>
-            <a:ext cx="6089015" cy="1568450"/>
-          </a:xfrm>
-          <a:prstGeom prst="rect">
-            <a:avLst/>
-          </a:prstGeom>
-          <a:noFill/>
-        </p:spPr>
-        <p:txBody>
-          <a:bodyPr wrap="square" rtlCol="0" anchor="t">
-            <a:spAutoFit/>
-          </a:bodyPr>
-          <a:p>
-            <a:r>
-              <a:rPr lang="en-US"/>
-              <a:t>Some libraries allow importing their submodules instead of the entire module. This is good practise as it avoids loading unused modules.</a:t>
-            </a:r>
-            <a:endParaRPr lang="en-US"/>
-          </a:p>
-        </p:txBody>
-      </p:sp>
-    </p:spTree>
-  </p:cSld>
-  <p:clrMapOvr>
-    <a:masterClrMapping/>
-  </p:clrMapOvr>
-</p:sld>
-</file>
-
-<file path=ppt/slides/slide14.xml><?xml version="1.0" encoding="utf-8"?>
-<p:sld xmlns:a="http://schemas.openxmlformats.org/drawingml/2006/main" xmlns:r="http://schemas.openxmlformats.org/officeDocument/2006/relationships" xmlns:p="http://schemas.openxmlformats.org/presentationml/2006/main">
-  <p:cSld>
-    <p:spTree>
-      <p:nvGrpSpPr>
-        <p:cNvPr id="1" name=""/>
-        <p:cNvGrpSpPr/>
-        <p:nvPr/>
-      </p:nvGrpSpPr>
-      <p:grpSpPr>
-        <a:xfrm>
-          <a:off x="0" y="0"/>
-          <a:ext cx="0" cy="0"/>
-          <a:chOff x="0" y="0"/>
-          <a:chExt cx="0" cy="0"/>
-        </a:xfrm>
-      </p:grpSpPr>
-      <p:sp>
-        <p:nvSpPr>
-          <p:cNvPr id="2" name="Título 1"/>
-          <p:cNvSpPr>
-            <a:spLocks noGrp="1"/>
-          </p:cNvSpPr>
-          <p:nvPr>
-            <p:ph type="title"/>
-          </p:nvPr>
-        </p:nvSpPr>
-        <p:spPr/>
-        <p:txBody>
-          <a:bodyPr>
-            <a:normAutofit fontScale="90000"/>
-          </a:bodyPr>
-          <a:lstStyle/>
-          <a:p>
-            <a:r>
-              <a:rPr lang="es-ES" dirty="0"/>
-              <a:t>Diseño</a:t>
-            </a:r>
-            <a:br>
-              <a:rPr lang="es-ES" dirty="0"/>
-            </a:br>
-            <a:endParaRPr lang="es-ES" dirty="0"/>
-          </a:p>
-        </p:txBody>
-      </p:sp>
-    </p:spTree>
-  </p:cSld>
-  <p:clrMapOvr>
-    <a:masterClrMapping/>
-  </p:clrMapOvr>
-</p:sld>
-</file>
-
-<file path=ppt/slides/slide15.xml><?xml version="1.0" encoding="utf-8"?>
-<p:sld xmlns:a="http://schemas.openxmlformats.org/drawingml/2006/main" xmlns:r="http://schemas.openxmlformats.org/officeDocument/2006/relationships" xmlns:p="http://schemas.openxmlformats.org/presentationml/2006/main">
-  <p:cSld>
-    <p:spTree>
-      <p:nvGrpSpPr>
-        <p:cNvPr id="1" name=""/>
-        <p:cNvGrpSpPr/>
-        <p:nvPr/>
-      </p:nvGrpSpPr>
-      <p:grpSpPr/>
-      <p:sp>
-        <p:nvSpPr>
-          <p:cNvPr id="2" name="Title 1"/>
-          <p:cNvSpPr>
-            <a:spLocks noGrp="1"/>
-          </p:cNvSpPr>
-          <p:nvPr>
-            <p:ph type="title"/>
-          </p:nvPr>
-        </p:nvSpPr>
-        <p:spPr/>
-        <p:txBody>
-          <a:bodyPr/>
-          <a:p>
-            <a:r>
-              <a:rPr lang="es-ES" altLang="en-US">
-                <a:sym typeface="+mn-ea"/>
-              </a:rPr>
-              <a:t>TsLint</a:t>
-            </a:r>
-            <a:endParaRPr lang="en-US"/>
-          </a:p>
-        </p:txBody>
-      </p:sp>
-      <p:sp>
-        <p:nvSpPr>
-          <p:cNvPr id="3" name="Text Placeholder 2"/>
-          <p:cNvSpPr>
-            <a:spLocks noGrp="1"/>
-          </p:cNvSpPr>
-          <p:nvPr>
-            <p:ph type="body" sz="quarter" idx="13"/>
-          </p:nvPr>
-        </p:nvSpPr>
-        <p:spPr/>
-        <p:txBody>
-          <a:bodyPr/>
-          <a:p>
-            <a:r>
-              <a:rPr lang="en-US"/>
-              <a:t>Rule: max-file-line-count</a:t>
-            </a:r>
-            <a:endParaRPr lang="en-US"/>
-          </a:p>
-        </p:txBody>
-      </p:sp>
-      <p:sp>
-        <p:nvSpPr>
-          <p:cNvPr id="4" name="Text Box 3"/>
-          <p:cNvSpPr txBox="1"/>
-          <p:nvPr/>
-        </p:nvSpPr>
-        <p:spPr>
-          <a:xfrm>
-            <a:off x="299085" y="1563370"/>
-            <a:ext cx="7071360" cy="460375"/>
-          </a:xfrm>
-          <a:prstGeom prst="rect">
-            <a:avLst/>
-          </a:prstGeom>
-          <a:noFill/>
-        </p:spPr>
-        <p:txBody>
-          <a:bodyPr wrap="square" rtlCol="0" anchor="t">
-            <a:spAutoFit/>
-          </a:bodyPr>
-          <a:p>
-            <a:r>
-              <a:rPr lang="en-US"/>
-              <a:t>Requires files to remain under a certain number of lines</a:t>
-            </a:r>
-            <a:endParaRPr lang="en-US"/>
-          </a:p>
-        </p:txBody>
-      </p:sp>
-      <p:sp>
-        <p:nvSpPr>
-          <p:cNvPr id="5" name="Text Box 4"/>
-          <p:cNvSpPr txBox="1"/>
-          <p:nvPr/>
-        </p:nvSpPr>
-        <p:spPr>
-          <a:xfrm>
-            <a:off x="299085" y="2585085"/>
-            <a:ext cx="8463915" cy="829945"/>
-          </a:xfrm>
-          <a:prstGeom prst="rect">
-            <a:avLst/>
-          </a:prstGeom>
-          <a:noFill/>
-        </p:spPr>
-        <p:txBody>
-          <a:bodyPr wrap="square" rtlCol="0" anchor="t">
-            <a:spAutoFit/>
-          </a:bodyPr>
-          <a:p>
-            <a:r>
-              <a:rPr lang="en-US"/>
-              <a:t>Limiting the number of lines allowed in a file allows files to remain small, single purpose, and maintainable.</a:t>
-            </a:r>
-            <a:endParaRPr lang="en-US"/>
-          </a:p>
-        </p:txBody>
-      </p:sp>
-    </p:spTree>
-  </p:cSld>
-  <p:clrMapOvr>
-    <a:masterClrMapping/>
-  </p:clrMapOvr>
-</p:sld>
-</file>
-
-<file path=ppt/slides/slide16.xml><?xml version="1.0" encoding="utf-8"?>
-<p:sld xmlns:a="http://schemas.openxmlformats.org/drawingml/2006/main" xmlns:r="http://schemas.openxmlformats.org/officeDocument/2006/relationships" xmlns:p="http://schemas.openxmlformats.org/presentationml/2006/main">
-  <p:cSld>
-    <p:spTree>
-      <p:nvGrpSpPr>
-        <p:cNvPr id="1" name=""/>
-        <p:cNvGrpSpPr/>
-        <p:nvPr/>
-      </p:nvGrpSpPr>
-      <p:grpSpPr/>
-      <p:sp>
-        <p:nvSpPr>
-          <p:cNvPr id="2" name="Title 1"/>
-          <p:cNvSpPr>
-            <a:spLocks noGrp="1"/>
-          </p:cNvSpPr>
-          <p:nvPr>
-            <p:ph type="title"/>
-          </p:nvPr>
-        </p:nvSpPr>
-        <p:spPr/>
-        <p:txBody>
-          <a:bodyPr/>
-          <a:p>
-            <a:r>
-              <a:rPr lang="es-ES" altLang="en-US">
-                <a:sym typeface="+mn-ea"/>
-              </a:rPr>
-              <a:t>TsLint</a:t>
-            </a:r>
-            <a:endParaRPr lang="en-US"/>
-          </a:p>
-        </p:txBody>
-      </p:sp>
-      <p:sp>
-        <p:nvSpPr>
-          <p:cNvPr id="3" name="Text Placeholder 2"/>
-          <p:cNvSpPr>
-            <a:spLocks noGrp="1"/>
-          </p:cNvSpPr>
-          <p:nvPr>
-            <p:ph type="body" sz="quarter" idx="13"/>
-          </p:nvPr>
-        </p:nvSpPr>
-        <p:spPr/>
-        <p:txBody>
-          <a:bodyPr/>
-          <a:p>
-            <a:r>
-              <a:rPr lang="en-US"/>
-              <a:t>Rule: member-ordering</a:t>
-            </a:r>
-            <a:endParaRPr lang="en-US"/>
-          </a:p>
-        </p:txBody>
-      </p:sp>
-      <p:sp>
-        <p:nvSpPr>
-          <p:cNvPr id="4" name="Text Box 3"/>
-          <p:cNvSpPr txBox="1"/>
-          <p:nvPr/>
-        </p:nvSpPr>
-        <p:spPr>
-          <a:xfrm>
-            <a:off x="299085" y="1543685"/>
-            <a:ext cx="5852795" cy="460375"/>
-          </a:xfrm>
-          <a:prstGeom prst="rect">
-            <a:avLst/>
-          </a:prstGeom>
-          <a:noFill/>
-        </p:spPr>
-        <p:txBody>
-          <a:bodyPr wrap="square" rtlCol="0" anchor="t">
-            <a:spAutoFit/>
-          </a:bodyPr>
-          <a:p>
-            <a:r>
-              <a:rPr lang="en-US"/>
-              <a:t>Enforces member ordering.</a:t>
-            </a:r>
-            <a:endParaRPr lang="en-US"/>
-          </a:p>
-        </p:txBody>
-      </p:sp>
-      <p:sp>
-        <p:nvSpPr>
-          <p:cNvPr id="5" name="Text Box 4"/>
-          <p:cNvSpPr txBox="1"/>
-          <p:nvPr/>
-        </p:nvSpPr>
-        <p:spPr>
-          <a:xfrm>
-            <a:off x="299085" y="3994150"/>
-            <a:ext cx="11784965" cy="1938020"/>
-          </a:xfrm>
-          <a:prstGeom prst="rect">
-            <a:avLst/>
-          </a:prstGeom>
-          <a:noFill/>
-        </p:spPr>
-        <p:txBody>
-          <a:bodyPr wrap="square" rtlCol="0" anchor="t">
-            <a:spAutoFit/>
-          </a:bodyPr>
-          <a:p>
-            <a:r>
-              <a:rPr lang="en-US"/>
-              <a:t>A consistent ordering for class members can make classes easier to read, navigate, and edit.</a:t>
-            </a:r>
-            <a:endParaRPr lang="en-US"/>
-          </a:p>
-          <a:p>
-            <a:endParaRPr lang="en-US"/>
-          </a:p>
-          <a:p>
-            <a:r>
-              <a:rPr lang="en-US"/>
-              <a:t>A common opposite practice to member-ordering is to keep related groups of classes together. Instead of creating classes with multiple separate groups, consider splitting class responsibilities apart across multiple single-responsibility classes.</a:t>
-            </a:r>
-            <a:endParaRPr lang="en-US"/>
-          </a:p>
-        </p:txBody>
-      </p:sp>
-      <p:pic>
-        <p:nvPicPr>
-          <p:cNvPr id="6" name="Picture 5"/>
-          <p:cNvPicPr>
-            <a:picLocks noChangeAspect="1"/>
-          </p:cNvPicPr>
-          <p:nvPr/>
-        </p:nvPicPr>
-        <p:blipFill>
-          <a:blip r:embed="rId1"/>
-          <a:stretch>
-            <a:fillRect/>
-          </a:stretch>
-        </p:blipFill>
-        <p:spPr>
-          <a:xfrm>
-            <a:off x="1546860" y="2185670"/>
-            <a:ext cx="3733165" cy="1583055"/>
-          </a:xfrm>
-          <a:prstGeom prst="rect">
-            <a:avLst/>
-          </a:prstGeom>
-        </p:spPr>
-      </p:pic>
-      <p:pic>
-        <p:nvPicPr>
-          <p:cNvPr id="7" name="Picture 6"/>
-          <p:cNvPicPr>
-            <a:picLocks noChangeAspect="1"/>
-          </p:cNvPicPr>
-          <p:nvPr/>
-        </p:nvPicPr>
-        <p:blipFill>
-          <a:blip r:embed="rId2"/>
-          <a:stretch>
-            <a:fillRect/>
-          </a:stretch>
-        </p:blipFill>
-        <p:spPr>
-          <a:xfrm>
-            <a:off x="6982460" y="1543685"/>
-            <a:ext cx="2940050" cy="2225040"/>
-          </a:xfrm>
-          <a:prstGeom prst="rect">
-            <a:avLst/>
-          </a:prstGeom>
-        </p:spPr>
-      </p:pic>
-    </p:spTree>
-  </p:cSld>
-  <p:clrMapOvr>
-    <a:masterClrMapping/>
-  </p:clrMapOvr>
-</p:sld>
-</file>
-
-<file path=ppt/slides/slide17.xml><?xml version="1.0" encoding="utf-8"?>
-<p:sld xmlns:a="http://schemas.openxmlformats.org/drawingml/2006/main" xmlns:r="http://schemas.openxmlformats.org/officeDocument/2006/relationships" xmlns:p="http://schemas.openxmlformats.org/presentationml/2006/main">
-  <p:cSld>
-    <p:spTree>
-      <p:nvGrpSpPr>
-        <p:cNvPr id="1" name=""/>
-        <p:cNvGrpSpPr/>
-        <p:nvPr/>
-      </p:nvGrpSpPr>
-      <p:grpSpPr>
-        <a:xfrm>
-          <a:off x="0" y="0"/>
-          <a:ext cx="0" cy="0"/>
-          <a:chOff x="0" y="0"/>
-          <a:chExt cx="0" cy="0"/>
-        </a:xfrm>
-      </p:grpSpPr>
-      <p:sp>
-        <p:nvSpPr>
-          <p:cNvPr id="2" name="Título 1"/>
-          <p:cNvSpPr>
-            <a:spLocks noGrp="1"/>
-          </p:cNvSpPr>
-          <p:nvPr>
-            <p:ph type="title"/>
-          </p:nvPr>
-        </p:nvSpPr>
-        <p:spPr/>
-        <p:txBody>
-          <a:bodyPr>
-            <a:normAutofit fontScale="90000"/>
-          </a:bodyPr>
-          <a:lstStyle/>
-          <a:p>
-            <a:r>
-              <a:rPr lang="es-ES" dirty="0" err="1"/>
-              <a:t>Codelyzer</a:t>
-            </a:r>
-            <a:br>
-              <a:rPr lang="es-ES" dirty="0" err="1"/>
-            </a:br>
-            <a:endParaRPr lang="es-ES" dirty="0"/>
-          </a:p>
-        </p:txBody>
-      </p:sp>
-    </p:spTree>
-  </p:cSld>
-  <p:clrMapOvr>
-    <a:masterClrMapping/>
-  </p:clrMapOvr>
-</p:sld>
-</file>
-
-<file path=ppt/slides/slide18.xml><?xml version="1.0" encoding="utf-8"?>
-<p:sld xmlns:a="http://schemas.openxmlformats.org/drawingml/2006/main" xmlns:r="http://schemas.openxmlformats.org/officeDocument/2006/relationships" xmlns:p="http://schemas.openxmlformats.org/presentationml/2006/main">
-  <p:cSld>
-    <p:spTree>
-      <p:nvGrpSpPr>
-        <p:cNvPr id="1" name=""/>
-        <p:cNvGrpSpPr/>
-        <p:nvPr/>
-      </p:nvGrpSpPr>
-      <p:grpSpPr/>
-      <p:sp>
-        <p:nvSpPr>
-          <p:cNvPr id="2" name="Title 1"/>
-          <p:cNvSpPr>
-            <a:spLocks noGrp="1"/>
-          </p:cNvSpPr>
-          <p:nvPr>
-            <p:ph type="title"/>
-          </p:nvPr>
-        </p:nvSpPr>
-        <p:spPr/>
-        <p:txBody>
-          <a:bodyPr/>
-          <a:p>
-            <a:r>
-              <a:rPr lang="es-ES" altLang="en-US"/>
-              <a:t>Codelyzer</a:t>
-            </a:r>
-            <a:endParaRPr lang="es-ES" altLang="en-US"/>
-          </a:p>
-        </p:txBody>
-      </p:sp>
-      <p:sp>
-        <p:nvSpPr>
-          <p:cNvPr id="3" name="Text Placeholder 2"/>
-          <p:cNvSpPr>
-            <a:spLocks noGrp="1"/>
-          </p:cNvSpPr>
-          <p:nvPr>
-            <p:ph type="body" sz="quarter" idx="13"/>
-          </p:nvPr>
-        </p:nvSpPr>
-        <p:spPr/>
-        <p:txBody>
-          <a:bodyPr/>
-          <a:p>
-            <a:r>
-              <a:rPr lang="es-ES" altLang="en-US"/>
-              <a:t>What is</a:t>
-            </a:r>
-            <a:endParaRPr lang="es-ES" altLang="en-US"/>
-          </a:p>
-        </p:txBody>
-      </p:sp>
-      <p:sp>
-        <p:nvSpPr>
-          <p:cNvPr id="4" name="Text Box 3"/>
-          <p:cNvSpPr txBox="1"/>
-          <p:nvPr/>
-        </p:nvSpPr>
-        <p:spPr>
-          <a:xfrm>
-            <a:off x="1654175" y="2832100"/>
-            <a:ext cx="4730115" cy="460375"/>
-          </a:xfrm>
-          <a:prstGeom prst="rect">
-            <a:avLst/>
-          </a:prstGeom>
-          <a:noFill/>
-        </p:spPr>
-        <p:txBody>
-          <a:bodyPr wrap="square" rtlCol="0">
-            <a:spAutoFit/>
-          </a:bodyPr>
-          <a:p>
-            <a:r>
-              <a:rPr lang="es-ES" altLang="en-US"/>
-              <a:t>Explicacion</a:t>
-            </a:r>
-            <a:endParaRPr lang="es-ES" altLang="en-US"/>
-          </a:p>
-        </p:txBody>
-      </p:sp>
-    </p:spTree>
-  </p:cSld>
-  <p:clrMapOvr>
-    <a:masterClrMapping/>
-  </p:clrMapOvr>
-</p:sld>
-</file>
-
-<file path=ppt/slides/slide19.xml><?xml version="1.0" encoding="utf-8"?>
-<p:sld xmlns:a="http://schemas.openxmlformats.org/drawingml/2006/main" xmlns:r="http://schemas.openxmlformats.org/officeDocument/2006/relationships" xmlns:p="http://schemas.openxmlformats.org/presentationml/2006/main">
-  <p:cSld>
-    <p:spTree>
-      <p:nvGrpSpPr>
-        <p:cNvPr id="1" name=""/>
-        <p:cNvGrpSpPr/>
-        <p:nvPr/>
-      </p:nvGrpSpPr>
-      <p:grpSpPr/>
-      <p:sp>
-        <p:nvSpPr>
-          <p:cNvPr id="2" name="Title 1"/>
-          <p:cNvSpPr>
-            <a:spLocks noGrp="1"/>
-          </p:cNvSpPr>
-          <p:nvPr>
-            <p:ph type="title"/>
-          </p:nvPr>
-        </p:nvSpPr>
-        <p:spPr/>
-        <p:txBody>
-          <a:bodyPr/>
-          <a:p>
-            <a:r>
-              <a:rPr lang="es-ES" altLang="en-US">
-                <a:sym typeface="+mn-ea"/>
-              </a:rPr>
-              <a:t>Codelyzer</a:t>
-            </a:r>
-            <a:endParaRPr lang="en-US"/>
-          </a:p>
-        </p:txBody>
-      </p:sp>
-      <p:sp>
-        <p:nvSpPr>
-          <p:cNvPr id="3" name="Text Placeholder 2"/>
-          <p:cNvSpPr>
-            <a:spLocks noGrp="1"/>
-          </p:cNvSpPr>
-          <p:nvPr>
-            <p:ph type="body" sz="quarter" idx="13"/>
-          </p:nvPr>
-        </p:nvSpPr>
-        <p:spPr/>
-        <p:txBody>
-          <a:bodyPr/>
-          <a:p>
-            <a:r>
-              <a:rPr lang="es-ES" altLang="en-US"/>
-              <a:t>Rule 1</a:t>
-            </a:r>
-            <a:endParaRPr lang="es-ES" altLang="en-US"/>
-          </a:p>
-        </p:txBody>
-      </p:sp>
-    </p:spTree>
-  </p:cSld>
-  <p:clrMapOvr>
-    <a:masterClrMapping/>
-  </p:clrMapOvr>
-</p:sld>
-</file>
-
-<file path=ppt/slides/slide2.xml><?xml version="1.0" encoding="utf-8"?>
-<p:sld xmlns:a="http://schemas.openxmlformats.org/drawingml/2006/main" xmlns:r="http://schemas.openxmlformats.org/officeDocument/2006/relationships" xmlns:p="http://schemas.openxmlformats.org/presentationml/2006/main" showMasterSp="0">
-  <p:cSld>
-    <p:bg>
-      <p:bgPr>
-        <a:solidFill>
-          <a:srgbClr val="173962"/>
-        </a:solidFill>
-        <a:effectLst/>
-      </p:bgPr>
-    </p:bg>
-    <p:spTree>
-      <p:nvGrpSpPr>
-        <p:cNvPr id="1" name=""/>
-        <p:cNvGrpSpPr/>
-        <p:nvPr/>
-      </p:nvGrpSpPr>
-      <p:grpSpPr/>
-      <p:sp>
-        <p:nvSpPr>
-          <p:cNvPr id="2" name="Title 1"/>
-          <p:cNvSpPr>
-            <a:spLocks noGrp="1"/>
-          </p:cNvSpPr>
-          <p:nvPr>
-            <p:ph type="title"/>
-          </p:nvPr>
-        </p:nvSpPr>
-        <p:spPr>
-          <a:xfrm>
-            <a:off x="1487488" y="523903"/>
-            <a:ext cx="7584744" cy="859035"/>
-          </a:xfrm>
-        </p:spPr>
-        <p:txBody>
-          <a:bodyPr>
-            <a:normAutofit fontScale="90000"/>
-          </a:bodyPr>
-          <a:p>
-            <a:r>
-              <a:rPr lang="es-ES" altLang="en-US"/>
-              <a:t>Index</a:t>
-            </a:r>
-            <a:br>
-              <a:rPr lang="es-ES" altLang="en-US"/>
-            </a:br>
-            <a:endParaRPr lang="es-ES" altLang="en-US"/>
-          </a:p>
-        </p:txBody>
-      </p:sp>
-      <p:sp>
-        <p:nvSpPr>
-          <p:cNvPr id="3" name="Text Box 2"/>
-          <p:cNvSpPr txBox="1"/>
-          <p:nvPr/>
-        </p:nvSpPr>
-        <p:spPr>
-          <a:xfrm>
-            <a:off x="1487805" y="4197985"/>
-            <a:ext cx="7585075" cy="1938020"/>
-          </a:xfrm>
-          <a:prstGeom prst="rect">
-            <a:avLst/>
-          </a:prstGeom>
-          <a:noFill/>
-        </p:spPr>
-        <p:txBody>
-          <a:bodyPr wrap="square" rtlCol="0" anchor="t">
-            <a:spAutoFit/>
-          </a:bodyPr>
-          <a:p>
-            <a:pPr marL="457200" indent="-457200">
-              <a:buAutoNum type="arabicPeriod"/>
-            </a:pPr>
-            <a:r>
-              <a:rPr lang="es-ES" altLang="en-US">
-                <a:solidFill>
-                  <a:schemeClr val="bg1"/>
-                </a:solidFill>
-              </a:rPr>
-              <a:t>Best practices in Angular</a:t>
-            </a:r>
-            <a:endParaRPr lang="en-US">
-              <a:solidFill>
-                <a:schemeClr val="bg1"/>
-              </a:solidFill>
-            </a:endParaRPr>
-          </a:p>
-          <a:p>
-            <a:pPr marL="457200" indent="-457200">
-              <a:buAutoNum type="arabicPeriod"/>
-            </a:pPr>
-            <a:r>
-              <a:rPr lang="en-US">
-                <a:solidFill>
-                  <a:schemeClr val="bg1"/>
-                </a:solidFill>
-              </a:rPr>
-              <a:t>Angular CLI</a:t>
-            </a:r>
-            <a:endParaRPr lang="en-US">
-              <a:solidFill>
-                <a:schemeClr val="bg1"/>
-              </a:solidFill>
-            </a:endParaRPr>
-          </a:p>
-          <a:p>
-            <a:pPr marL="457200" indent="-457200">
-              <a:buAutoNum type="arabicPeriod"/>
-            </a:pPr>
-            <a:r>
-              <a:rPr lang="en-US">
-                <a:solidFill>
-                  <a:schemeClr val="bg1"/>
-                </a:solidFill>
-              </a:rPr>
-              <a:t>Documentacion automatizada de proyectos</a:t>
-            </a:r>
-            <a:endParaRPr lang="en-US">
-              <a:solidFill>
-                <a:schemeClr val="bg1"/>
-              </a:solidFill>
-            </a:endParaRPr>
-          </a:p>
-          <a:p>
-            <a:pPr marL="457200" indent="-457200">
-              <a:buAutoNum type="arabicPeriod"/>
-            </a:pPr>
-            <a:r>
-              <a:rPr lang="en-US">
-                <a:solidFill>
-                  <a:schemeClr val="bg1"/>
-                </a:solidFill>
-              </a:rPr>
-              <a:t>Observables</a:t>
-            </a:r>
-            <a:endParaRPr lang="en-US">
-              <a:solidFill>
-                <a:schemeClr val="bg1"/>
-              </a:solidFill>
-            </a:endParaRPr>
-          </a:p>
-          <a:p>
-            <a:pPr marL="457200" indent="-457200">
-              <a:buAutoNum type="arabicPeriod"/>
-            </a:pPr>
-            <a:endParaRPr lang="en-US">
-              <a:solidFill>
-                <a:schemeClr val="bg1"/>
-              </a:solidFill>
-            </a:endParaRPr>
-          </a:p>
-        </p:txBody>
-      </p:sp>
-      <p:pic>
-        <p:nvPicPr>
-          <p:cNvPr id="7" name="Picture 6" descr="Angular_full_color_logo.svg"/>
-          <p:cNvPicPr>
-            <a:picLocks noChangeAspect="1"/>
-          </p:cNvPicPr>
-          <p:nvPr/>
-        </p:nvPicPr>
-        <p:blipFill>
-          <a:blip r:embed="rId1"/>
-          <a:stretch>
-            <a:fillRect/>
-          </a:stretch>
-        </p:blipFill>
-        <p:spPr>
-          <a:xfrm>
-            <a:off x="2824480" y="1382395"/>
-            <a:ext cx="2529205" cy="2529205"/>
-          </a:xfrm>
-          <a:prstGeom prst="rect">
-            <a:avLst/>
-          </a:prstGeom>
-        </p:spPr>
-      </p:pic>
-      <p:pic>
-        <p:nvPicPr>
-          <p:cNvPr id="8" name="Picture 7" descr="typescript"/>
-          <p:cNvPicPr>
-            <a:picLocks noChangeAspect="1"/>
-          </p:cNvPicPr>
-          <p:nvPr/>
-        </p:nvPicPr>
-        <p:blipFill>
-          <a:blip r:embed="rId2"/>
-          <a:stretch>
-            <a:fillRect/>
-          </a:stretch>
-        </p:blipFill>
-        <p:spPr>
-          <a:xfrm>
-            <a:off x="7248525" y="1734820"/>
-            <a:ext cx="1823720" cy="1823720"/>
-          </a:xfrm>
-          <a:prstGeom prst="rect">
-            <a:avLst/>
-          </a:prstGeom>
-        </p:spPr>
-      </p:pic>
-    </p:spTree>
-  </p:cSld>
-  <p:clrMapOvr>
-    <a:masterClrMapping/>
-  </p:clrMapOvr>
-</p:sld>
-</file>
-
-<file path=ppt/slides/slide20.xml><?xml version="1.0" encoding="utf-8"?>
-<p:sld xmlns:a="http://schemas.openxmlformats.org/drawingml/2006/main" xmlns:r="http://schemas.openxmlformats.org/officeDocument/2006/relationships" xmlns:p="http://schemas.openxmlformats.org/presentationml/2006/main">
-  <p:cSld>
-    <p:spTree>
-      <p:nvGrpSpPr>
-        <p:cNvPr id="1" name=""/>
-        <p:cNvGrpSpPr/>
-        <p:nvPr/>
-      </p:nvGrpSpPr>
-      <p:grpSpPr/>
-      <p:sp>
-        <p:nvSpPr>
-          <p:cNvPr id="2" name="Title 1"/>
-          <p:cNvSpPr>
-            <a:spLocks noGrp="1"/>
-          </p:cNvSpPr>
-          <p:nvPr>
-            <p:ph type="title"/>
-          </p:nvPr>
-        </p:nvSpPr>
-        <p:spPr/>
-        <p:txBody>
-          <a:bodyPr/>
-          <a:p>
-            <a:r>
-              <a:rPr lang="es-ES" altLang="en-US">
-                <a:sym typeface="+mn-ea"/>
-              </a:rPr>
-              <a:t>Codelyzer</a:t>
-            </a:r>
-            <a:br>
-              <a:rPr lang="es-ES" altLang="en-US"/>
-            </a:br>
-            <a:endParaRPr lang="en-US"/>
-          </a:p>
-        </p:txBody>
-      </p:sp>
-      <p:sp>
-        <p:nvSpPr>
-          <p:cNvPr id="3" name="Text Placeholder 2"/>
-          <p:cNvSpPr>
-            <a:spLocks noGrp="1"/>
-          </p:cNvSpPr>
-          <p:nvPr>
-            <p:ph type="body" sz="quarter" idx="13"/>
-          </p:nvPr>
-        </p:nvSpPr>
-        <p:spPr/>
-        <p:txBody>
-          <a:bodyPr/>
-          <a:p>
-            <a:r>
-              <a:rPr lang="es-ES" altLang="en-US"/>
-              <a:t>Rule 2</a:t>
-            </a:r>
-            <a:endParaRPr lang="es-ES" altLang="en-US"/>
-          </a:p>
-        </p:txBody>
-      </p:sp>
-    </p:spTree>
-  </p:cSld>
-  <p:clrMapOvr>
-    <a:masterClrMapping/>
-  </p:clrMapOvr>
-</p:sld>
-</file>
-
-<file path=ppt/slides/slide21.xml><?xml version="1.0" encoding="utf-8"?>
-<p:sld xmlns:a="http://schemas.openxmlformats.org/drawingml/2006/main" xmlns:r="http://schemas.openxmlformats.org/officeDocument/2006/relationships" xmlns:p="http://schemas.openxmlformats.org/presentationml/2006/main">
-  <p:cSld>
-    <p:spTree>
-      <p:nvGrpSpPr>
-        <p:cNvPr id="1" name=""/>
-        <p:cNvGrpSpPr/>
-        <p:nvPr/>
-      </p:nvGrpSpPr>
-      <p:grpSpPr/>
-      <p:sp>
-        <p:nvSpPr>
-          <p:cNvPr id="2" name="Title 1"/>
-          <p:cNvSpPr>
-            <a:spLocks noGrp="1"/>
-          </p:cNvSpPr>
-          <p:nvPr>
-            <p:ph type="title"/>
-          </p:nvPr>
-        </p:nvSpPr>
-        <p:spPr/>
-        <p:txBody>
-          <a:bodyPr/>
-          <a:p>
-            <a:r>
-              <a:rPr lang="es-ES" altLang="en-US">
-                <a:sym typeface="+mn-ea"/>
-              </a:rPr>
-              <a:t>Codelyzer</a:t>
-            </a:r>
-            <a:endParaRPr lang="en-US"/>
-          </a:p>
-        </p:txBody>
-      </p:sp>
-      <p:sp>
-        <p:nvSpPr>
-          <p:cNvPr id="3" name="Text Placeholder 2"/>
-          <p:cNvSpPr>
-            <a:spLocks noGrp="1"/>
-          </p:cNvSpPr>
-          <p:nvPr>
-            <p:ph type="body" sz="quarter" idx="13"/>
-          </p:nvPr>
-        </p:nvSpPr>
-        <p:spPr/>
-        <p:txBody>
-          <a:bodyPr/>
-          <a:p>
-            <a:r>
-              <a:rPr lang="es-ES" altLang="en-US"/>
-              <a:t>Rule 3</a:t>
-            </a:r>
-            <a:endParaRPr lang="es-ES" altLang="en-US"/>
-          </a:p>
-        </p:txBody>
-      </p:sp>
-    </p:spTree>
-  </p:cSld>
-  <p:clrMapOvr>
-    <a:masterClrMapping/>
-  </p:clrMapOvr>
-</p:sld>
-</file>
-
-<file path=ppt/slides/slide22.xml><?xml version="1.0" encoding="utf-8"?>
-<p:sld xmlns:a="http://schemas.openxmlformats.org/drawingml/2006/main" xmlns:r="http://schemas.openxmlformats.org/officeDocument/2006/relationships" xmlns:p="http://schemas.openxmlformats.org/presentationml/2006/main">
-  <p:cSld>
-    <p:spTree>
-      <p:nvGrpSpPr>
-        <p:cNvPr id="1" name=""/>
-        <p:cNvGrpSpPr/>
-        <p:nvPr/>
-      </p:nvGrpSpPr>
-      <p:grpSpPr>
-        <a:xfrm>
-          <a:off x="0" y="0"/>
-          <a:ext cx="0" cy="0"/>
-          <a:chOff x="0" y="0"/>
-          <a:chExt cx="0" cy="0"/>
-        </a:xfrm>
-      </p:grpSpPr>
-      <p:sp>
-        <p:nvSpPr>
-          <p:cNvPr id="2" name="Título 1"/>
-          <p:cNvSpPr>
-            <a:spLocks noGrp="1"/>
-          </p:cNvSpPr>
-          <p:nvPr>
-            <p:ph type="title"/>
-          </p:nvPr>
-        </p:nvSpPr>
-        <p:spPr/>
-        <p:txBody>
-          <a:bodyPr/>
-          <a:lstStyle/>
-          <a:p>
-            <a:r>
-              <a:rPr lang="es-ES" dirty="0" err="1"/>
-              <a:t>xxxxxxxxx</a:t>
-            </a:r>
-            <a:endParaRPr lang="es-ES" dirty="0"/>
-          </a:p>
-        </p:txBody>
-      </p:sp>
-    </p:spTree>
-  </p:cSld>
-  <p:clrMapOvr>
-    <a:masterClrMapping/>
-  </p:clrMapOvr>
-</p:sld>
-</file>
-
-<file path=ppt/slides/slide23.xml><?xml version="1.0" encoding="utf-8"?>
 <p:sld xmlns:a="http://schemas.openxmlformats.org/drawingml/2006/main" xmlns:r="http://schemas.openxmlformats.org/officeDocument/2006/relationships" xmlns:p="http://schemas.openxmlformats.org/presentationml/2006/main">
   <p:cSld>
     <p:bg>
@@ -9028,7 +7925,7 @@
 </p:sld>
 </file>
 
-<file path=ppt/slides/slide24.xml><?xml version="1.0" encoding="utf-8"?>
+<file path=ppt/slides/slide14.xml><?xml version="1.0" encoding="utf-8"?>
 <p:sld xmlns:a="http://schemas.openxmlformats.org/drawingml/2006/main" xmlns:r="http://schemas.openxmlformats.org/officeDocument/2006/relationships" xmlns:p="http://schemas.openxmlformats.org/presentationml/2006/main">
   <p:cSld>
     <p:spTree>
@@ -9045,6 +7942,206 @@
           <a:chExt cx="0" cy="0"/>
         </a:xfrm>
       </p:grpSpPr>
+    </p:spTree>
+  </p:cSld>
+  <p:clrMapOvr>
+    <a:masterClrMapping/>
+  </p:clrMapOvr>
+</p:sld>
+</file>
+
+<file path=ppt/slides/slide2.xml><?xml version="1.0" encoding="utf-8"?>
+<p:sld xmlns:a="http://schemas.openxmlformats.org/drawingml/2006/main" xmlns:r="http://schemas.openxmlformats.org/officeDocument/2006/relationships" xmlns:p="http://schemas.openxmlformats.org/presentationml/2006/main" showMasterSp="0">
+  <p:cSld>
+    <p:spTree>
+      <p:nvGrpSpPr>
+        <p:cNvPr id="1" name=""/>
+        <p:cNvGrpSpPr/>
+        <p:nvPr/>
+      </p:nvGrpSpPr>
+      <p:grpSpPr/>
+      <p:sp>
+        <p:nvSpPr>
+          <p:cNvPr id="2" name="Title 1"/>
+          <p:cNvSpPr>
+            <a:spLocks noGrp="1"/>
+          </p:cNvSpPr>
+          <p:nvPr>
+            <p:ph type="title"/>
+          </p:nvPr>
+        </p:nvSpPr>
+        <p:spPr>
+          <a:xfrm>
+            <a:off x="1487488" y="523903"/>
+            <a:ext cx="7584744" cy="859035"/>
+          </a:xfrm>
+        </p:spPr>
+        <p:txBody>
+          <a:bodyPr>
+            <a:normAutofit fontScale="90000"/>
+          </a:bodyPr>
+          <a:p>
+            <a:br>
+              <a:rPr lang="es-ES" altLang="en-US"/>
+            </a:br>
+            <a:endParaRPr lang="es-ES" altLang="en-US"/>
+          </a:p>
+        </p:txBody>
+      </p:sp>
+      <p:sp>
+        <p:nvSpPr>
+          <p:cNvPr id="3" name="Text Box 2"/>
+          <p:cNvSpPr txBox="1"/>
+          <p:nvPr/>
+        </p:nvSpPr>
+        <p:spPr>
+          <a:xfrm>
+            <a:off x="4169410" y="4260850"/>
+            <a:ext cx="4065270" cy="1938020"/>
+          </a:xfrm>
+          <a:prstGeom prst="rect">
+            <a:avLst/>
+          </a:prstGeom>
+          <a:noFill/>
+        </p:spPr>
+        <p:txBody>
+          <a:bodyPr wrap="square" rtlCol="0" anchor="t">
+            <a:spAutoFit/>
+          </a:bodyPr>
+          <a:p>
+            <a:pPr marL="457200" indent="-457200">
+              <a:buAutoNum type="arabicPeriod"/>
+            </a:pPr>
+            <a:r>
+              <a:rPr lang="es-ES" altLang="en-US">
+                <a:solidFill>
+                  <a:schemeClr val="bg1"/>
+                </a:solidFill>
+              </a:rPr>
+              <a:t>Best practices in Angular</a:t>
+            </a:r>
+            <a:endParaRPr lang="en-US">
+              <a:solidFill>
+                <a:schemeClr val="bg1"/>
+              </a:solidFill>
+            </a:endParaRPr>
+          </a:p>
+          <a:p>
+            <a:pPr marL="457200" indent="-457200">
+              <a:buAutoNum type="arabicPeriod"/>
+            </a:pPr>
+            <a:r>
+              <a:rPr lang="en-US">
+                <a:solidFill>
+                  <a:schemeClr val="bg1"/>
+                </a:solidFill>
+              </a:rPr>
+              <a:t>Angular CLI</a:t>
+            </a:r>
+            <a:endParaRPr lang="en-US">
+              <a:solidFill>
+                <a:schemeClr val="bg1"/>
+              </a:solidFill>
+            </a:endParaRPr>
+          </a:p>
+          <a:p>
+            <a:pPr marL="457200" indent="-457200">
+              <a:buAutoNum type="arabicPeriod"/>
+            </a:pPr>
+            <a:r>
+              <a:rPr lang="es-ES" altLang="en-US">
+                <a:solidFill>
+                  <a:schemeClr val="bg1"/>
+                </a:solidFill>
+                <a:sym typeface="+mn-ea"/>
+              </a:rPr>
+              <a:t>Automatic Documentation</a:t>
+            </a:r>
+            <a:endParaRPr lang="es-ES" altLang="en-US">
+              <a:solidFill>
+                <a:schemeClr val="bg1"/>
+              </a:solidFill>
+              <a:sym typeface="+mn-ea"/>
+            </a:endParaRPr>
+          </a:p>
+          <a:p>
+            <a:pPr marL="457200" indent="-457200">
+              <a:buAutoNum type="arabicPeriod"/>
+            </a:pPr>
+            <a:r>
+              <a:rPr lang="es-ES" altLang="en-US">
+                <a:solidFill>
+                  <a:schemeClr val="bg1"/>
+                </a:solidFill>
+              </a:rPr>
+              <a:t>Reactive Programming</a:t>
+            </a:r>
+            <a:endParaRPr lang="es-ES" altLang="en-US">
+              <a:solidFill>
+                <a:schemeClr val="bg1"/>
+              </a:solidFill>
+            </a:endParaRPr>
+          </a:p>
+          <a:p>
+            <a:pPr marL="457200" indent="-457200">
+              <a:buAutoNum type="arabicPeriod"/>
+            </a:pPr>
+            <a:endParaRPr lang="en-US">
+              <a:solidFill>
+                <a:schemeClr val="bg1"/>
+              </a:solidFill>
+            </a:endParaRPr>
+          </a:p>
+        </p:txBody>
+      </p:sp>
+      <p:pic>
+        <p:nvPicPr>
+          <p:cNvPr id="7" name="Picture 6" descr="Angular_full_color_logo.svg"/>
+          <p:cNvPicPr>
+            <a:picLocks noChangeAspect="1"/>
+          </p:cNvPicPr>
+          <p:nvPr/>
+        </p:nvPicPr>
+        <p:blipFill>
+          <a:blip r:embed="rId1"/>
+          <a:stretch>
+            <a:fillRect/>
+          </a:stretch>
+        </p:blipFill>
+        <p:spPr>
+          <a:xfrm>
+            <a:off x="3524885" y="1383030"/>
+            <a:ext cx="2529205" cy="2529205"/>
+          </a:xfrm>
+          <a:prstGeom prst="rect">
+            <a:avLst/>
+          </a:prstGeom>
+        </p:spPr>
+      </p:pic>
+      <p:pic>
+        <p:nvPicPr>
+          <p:cNvPr id="8" name="Picture 7" descr="typescript"/>
+          <p:cNvPicPr>
+            <a:picLocks noChangeAspect="1"/>
+          </p:cNvPicPr>
+          <p:nvPr/>
+        </p:nvPicPr>
+        <p:blipFill>
+          <a:blip r:embed="rId2"/>
+          <a:stretch>
+            <a:fillRect/>
+          </a:stretch>
+        </p:blipFill>
+        <p:spPr>
+          <a:xfrm>
+            <a:off x="6402070" y="1663065"/>
+            <a:ext cx="1980565" cy="1980565"/>
+          </a:xfrm>
+          <a:prstGeom prst="rect">
+            <a:avLst/>
+          </a:prstGeom>
+        </p:spPr>
+      </p:pic>
     </p:spTree>
   </p:cSld>
   <p:clrMapOvr>
@@ -9093,7 +8190,7 @@
         </p:nvSpPr>
         <p:spPr>
           <a:xfrm>
-            <a:off x="1243330" y="4086225"/>
+            <a:off x="1319530" y="4171315"/>
             <a:ext cx="9552940" cy="858520"/>
           </a:xfrm>
         </p:spPr>
@@ -9107,7 +8204,7 @@
                   <a:schemeClr val="tx2"/>
                 </a:solidFill>
               </a:rPr>
-              <a:t>1. Best practices in Angular</a:t>
+              <a:t>4. Reactive Programming</a:t>
             </a:r>
             <a:endParaRPr lang="es-ES" altLang="es-ES_tradnl" sz="4265" dirty="0">
               <a:solidFill>
@@ -9137,7 +8234,7 @@
       <p:grpSpPr/>
       <p:sp>
         <p:nvSpPr>
-          <p:cNvPr id="2" name="Title 1"/>
+          <p:cNvPr id="2" name="Título 1"/>
           <p:cNvSpPr>
             <a:spLocks noGrp="1"/>
           </p:cNvSpPr>
@@ -9149,13 +8246,17 @@
         <p:txBody>
           <a:bodyPr/>
           <a:p>
-            <a:endParaRPr lang="en-US"/>
-          </a:p>
-        </p:txBody>
-      </p:sp>
-      <p:sp>
-        <p:nvSpPr>
-          <p:cNvPr id="3" name="Text Placeholder 2"/>
+            <a:r>
+              <a:rPr lang="es-ES" altLang="en-US"/>
+              <a:t>Reactive Programming</a:t>
+            </a:r>
+            <a:endParaRPr lang="es-ES" altLang="en-US"/>
+          </a:p>
+        </p:txBody>
+      </p:sp>
+      <p:sp>
+        <p:nvSpPr>
+          <p:cNvPr id="3" name="Marcador de posición de texto 2"/>
           <p:cNvSpPr>
             <a:spLocks noGrp="1"/>
           </p:cNvSpPr>
@@ -9167,7 +8268,93 @@
         <p:txBody>
           <a:bodyPr/>
           <a:p>
-            <a:endParaRPr lang="en-US"/>
+            <a:r>
+              <a:rPr lang="es-ES" altLang="en-US"/>
+              <a:t>What Is</a:t>
+            </a:r>
+            <a:endParaRPr lang="es-ES" altLang="en-US"/>
+          </a:p>
+        </p:txBody>
+      </p:sp>
+      <p:pic>
+        <p:nvPicPr>
+          <p:cNvPr id="5" name="Imagen 4" descr="reactive"/>
+          <p:cNvPicPr>
+            <a:picLocks noChangeAspect="1"/>
+          </p:cNvPicPr>
+          <p:nvPr/>
+        </p:nvPicPr>
+        <p:blipFill>
+          <a:blip r:embed="rId1"/>
+          <a:stretch>
+            <a:fillRect/>
+          </a:stretch>
+        </p:blipFill>
+        <p:spPr>
+          <a:xfrm>
+            <a:off x="7067550" y="2059940"/>
+            <a:ext cx="5022215" cy="2738120"/>
+          </a:xfrm>
+          <a:prstGeom prst="rect">
+            <a:avLst/>
+          </a:prstGeom>
+        </p:spPr>
+      </p:pic>
+      <p:sp>
+        <p:nvSpPr>
+          <p:cNvPr id="6" name="Cuadro de texto 5"/>
+          <p:cNvSpPr txBox="1"/>
+          <p:nvPr/>
+        </p:nvSpPr>
+        <p:spPr>
+          <a:xfrm>
+            <a:off x="249555" y="1380490"/>
+            <a:ext cx="6890385" cy="1198880"/>
+          </a:xfrm>
+          <a:prstGeom prst="rect">
+            <a:avLst/>
+          </a:prstGeom>
+          <a:noFill/>
+        </p:spPr>
+        <p:txBody>
+          <a:bodyPr wrap="square" rtlCol="0" anchor="t">
+            <a:spAutoFit/>
+          </a:bodyPr>
+          <a:p>
+            <a:r>
+              <a:rPr lang="es-ES" altLang="en-US"/>
+              <a:t>Reactive Programming is a declarative programming paradigm concerned with data streams and the propagation of change. .</a:t>
+            </a:r>
+            <a:endParaRPr lang="es-ES" altLang="en-US"/>
+          </a:p>
+        </p:txBody>
+      </p:sp>
+      <p:sp>
+        <p:nvSpPr>
+          <p:cNvPr id="7" name="Cuadro de texto 6"/>
+          <p:cNvSpPr txBox="1"/>
+          <p:nvPr/>
+        </p:nvSpPr>
+        <p:spPr>
+          <a:xfrm>
+            <a:off x="299085" y="3123565"/>
+            <a:ext cx="6634480" cy="1568450"/>
+          </a:xfrm>
+          <a:prstGeom prst="rect">
+            <a:avLst/>
+          </a:prstGeom>
+          <a:noFill/>
+        </p:spPr>
+        <p:txBody>
+          <a:bodyPr wrap="square" rtlCol="0" anchor="t">
+            <a:spAutoFit/>
+          </a:bodyPr>
+          <a:p>
+            <a:r>
+              <a:rPr lang="es-ES" altLang="en-US"/>
+              <a:t>A different way of building software applications which will “react” to changes that happen instead of the typical way of writing software where we explicitly write code to handle those changes.</a:t>
+            </a:r>
+            <a:endParaRPr lang="es-ES" altLang="en-US"/>
           </a:p>
         </p:txBody>
       </p:sp>
@@ -9204,10 +8391,15 @@
           <a:bodyPr/>
           <a:p>
             <a:r>
+              <a:rPr lang="es-ES" altLang="en-US">
+                <a:sym typeface="+mn-ea"/>
+              </a:rPr>
+              <a:t>Reactive Programming</a:t>
+            </a:r>
+            <a:br>
               <a:rPr lang="es-ES" altLang="en-US"/>
-              <a:t>StyleGuide</a:t>
-            </a:r>
-            <a:endParaRPr lang="es-ES" altLang="en-US"/>
+            </a:br>
+            <a:endParaRPr lang="en-US"/>
           </a:p>
         </p:txBody>
       </p:sp>
@@ -9226,214 +8418,16 @@
           <a:bodyPr/>
           <a:p>
             <a:r>
-              <a:rPr lang="en-US"/>
-              <a:t>Ru</a:t>
-            </a:r>
-            <a:endParaRPr lang="en-US"/>
-          </a:p>
-        </p:txBody>
-      </p:sp>
-      <p:sp>
-        <p:nvSpPr>
-          <p:cNvPr id="4" name="Text Box 3"/>
-          <p:cNvSpPr txBox="1"/>
-          <p:nvPr/>
-        </p:nvSpPr>
-        <p:spPr>
-          <a:xfrm>
-            <a:off x="299085" y="1506855"/>
-            <a:ext cx="5920740" cy="829945"/>
-          </a:xfrm>
-          <a:prstGeom prst="rect">
-            <a:avLst/>
-          </a:prstGeom>
-          <a:noFill/>
-        </p:spPr>
-        <p:txBody>
-          <a:bodyPr wrap="square" rtlCol="0" anchor="t">
-            <a:spAutoFit/>
-          </a:bodyPr>
-          <a:p>
-            <a:r>
               <a:rPr lang="es-ES" altLang="en-US"/>
-              <a:t>Guia de estilos ofical de Angular</a:t>
+              <a:t>Data Streams</a:t>
             </a:r>
             <a:endParaRPr lang="es-ES" altLang="en-US"/>
           </a:p>
-          <a:p>
-            <a:r>
-              <a:rPr lang="en-US"/>
-              <a:t>.</a:t>
-            </a:r>
-            <a:endParaRPr lang="en-US"/>
-          </a:p>
-        </p:txBody>
-      </p:sp>
-    </p:spTree>
-  </p:cSld>
-  <p:clrMapOvr>
-    <a:masterClrMapping/>
-  </p:clrMapOvr>
-</p:sld>
-</file>
-
-<file path=ppt/slides/slide6.xml><?xml version="1.0" encoding="utf-8"?>
-<p:sld xmlns:a="http://schemas.openxmlformats.org/drawingml/2006/main" xmlns:r="http://schemas.openxmlformats.org/officeDocument/2006/relationships" xmlns:p="http://schemas.openxmlformats.org/presentationml/2006/main" showMasterSp="0">
-  <p:cSld>
-    <p:bg>
-      <p:bgPr>
-        <a:solidFill>
-          <a:srgbClr val="173962"/>
-        </a:solidFill>
-        <a:effectLst/>
-      </p:bgPr>
-    </p:bg>
-    <p:spTree>
-      <p:nvGrpSpPr>
-        <p:cNvPr id="1" name=""/>
-        <p:cNvGrpSpPr/>
-        <p:nvPr/>
-      </p:nvGrpSpPr>
-      <p:grpSpPr/>
-      <p:sp>
-        <p:nvSpPr>
-          <p:cNvPr id="2" name="Title 1"/>
-          <p:cNvSpPr>
-            <a:spLocks noGrp="1"/>
-          </p:cNvSpPr>
-          <p:nvPr>
-            <p:ph type="title"/>
-          </p:nvPr>
-        </p:nvSpPr>
-        <p:spPr>
-          <a:xfrm>
-            <a:off x="1487488" y="523903"/>
-            <a:ext cx="7584744" cy="859035"/>
-          </a:xfrm>
-        </p:spPr>
-        <p:txBody>
-          <a:bodyPr>
-            <a:normAutofit fontScale="90000"/>
-          </a:bodyPr>
-          <a:p>
-            <a:r>
-              <a:rPr lang="es-ES" altLang="en-US"/>
-              <a:t>TsLint</a:t>
-            </a:r>
-            <a:br>
-              <a:rPr lang="es-ES" altLang="en-US"/>
-            </a:br>
-            <a:endParaRPr lang="es-ES" altLang="en-US"/>
-          </a:p>
-        </p:txBody>
-      </p:sp>
-      <p:sp>
-        <p:nvSpPr>
-          <p:cNvPr id="3" name="Text Box 2"/>
-          <p:cNvSpPr txBox="1"/>
-          <p:nvPr/>
-        </p:nvSpPr>
-        <p:spPr>
-          <a:xfrm>
-            <a:off x="1487805" y="4197985"/>
-            <a:ext cx="7585075" cy="1938020"/>
-          </a:xfrm>
-          <a:prstGeom prst="rect">
-            <a:avLst/>
-          </a:prstGeom>
-          <a:noFill/>
-        </p:spPr>
-        <p:txBody>
-          <a:bodyPr wrap="square" rtlCol="0" anchor="t">
-            <a:spAutoFit/>
-          </a:bodyPr>
-          <a:p>
-            <a:pPr marL="457200" indent="-457200">
-              <a:buAutoNum type="arabicPeriod"/>
-            </a:pPr>
-            <a:r>
-              <a:rPr lang="es-ES" altLang="en-US">
-                <a:solidFill>
-                  <a:schemeClr val="bg1"/>
-                </a:solidFill>
-              </a:rPr>
-              <a:t>Best practices in Angular</a:t>
-            </a:r>
-            <a:endParaRPr lang="en-US">
-              <a:solidFill>
-                <a:schemeClr val="bg1"/>
-              </a:solidFill>
-            </a:endParaRPr>
-          </a:p>
-          <a:p>
-            <a:pPr marL="457200" indent="-457200">
-              <a:buAutoNum type="arabicPeriod"/>
-            </a:pPr>
-            <a:r>
-              <a:rPr lang="en-US">
-                <a:solidFill>
-                  <a:schemeClr val="bg1"/>
-                </a:solidFill>
-              </a:rPr>
-              <a:t>Angular CLI</a:t>
-            </a:r>
-            <a:endParaRPr lang="en-US">
-              <a:solidFill>
-                <a:schemeClr val="bg1"/>
-              </a:solidFill>
-            </a:endParaRPr>
-          </a:p>
-          <a:p>
-            <a:pPr marL="457200" indent="-457200">
-              <a:buAutoNum type="arabicPeriod"/>
-            </a:pPr>
-            <a:r>
-              <a:rPr lang="en-US">
-                <a:solidFill>
-                  <a:schemeClr val="bg1"/>
-                </a:solidFill>
-              </a:rPr>
-              <a:t>Documentacion automatizada de proyectos</a:t>
-            </a:r>
-            <a:endParaRPr lang="en-US">
-              <a:solidFill>
-                <a:schemeClr val="bg1"/>
-              </a:solidFill>
-            </a:endParaRPr>
-          </a:p>
-          <a:p>
-            <a:pPr marL="457200" indent="-457200">
-              <a:buAutoNum type="arabicPeriod"/>
-            </a:pPr>
-            <a:r>
-              <a:rPr lang="en-US">
-                <a:solidFill>
-                  <a:schemeClr val="bg1"/>
-                </a:solidFill>
-              </a:rPr>
-              <a:t>Observables</a:t>
-            </a:r>
-            <a:endParaRPr lang="en-US">
-              <a:solidFill>
-                <a:schemeClr val="bg1"/>
-              </a:solidFill>
-            </a:endParaRPr>
-          </a:p>
-          <a:p>
-            <a:pPr marL="457200" indent="-457200">
-              <a:buAutoNum type="arabicPeriod"/>
-            </a:pPr>
-            <a:endParaRPr lang="en-US">
-              <a:solidFill>
-                <a:schemeClr val="bg1"/>
-              </a:solidFill>
-            </a:endParaRPr>
-          </a:p>
         </p:txBody>
       </p:sp>
       <p:pic>
         <p:nvPicPr>
-          <p:cNvPr id="7" name="Picture 6" descr="Angular_full_color_logo.svg"/>
+          <p:cNvPr id="5" name="Imagen 4" descr="stream"/>
           <p:cNvPicPr>
             <a:picLocks noChangeAspect="1"/>
           </p:cNvPicPr>
@@ -9447,38 +8441,228 @@
         </p:blipFill>
         <p:spPr>
           <a:xfrm>
-            <a:off x="2824480" y="1382395"/>
-            <a:ext cx="2529205" cy="2529205"/>
+            <a:off x="6903085" y="2312670"/>
+            <a:ext cx="4702810" cy="2497455"/>
           </a:xfrm>
           <a:prstGeom prst="rect">
             <a:avLst/>
           </a:prstGeom>
         </p:spPr>
       </p:pic>
+      <p:sp>
+        <p:nvSpPr>
+          <p:cNvPr id="6" name="Cuadro de texto 5"/>
+          <p:cNvSpPr txBox="1"/>
+          <p:nvPr/>
+        </p:nvSpPr>
+        <p:spPr>
+          <a:xfrm>
+            <a:off x="299085" y="2312670"/>
+            <a:ext cx="5927725" cy="2676525"/>
+          </a:xfrm>
+          <a:prstGeom prst="rect">
+            <a:avLst/>
+          </a:prstGeom>
+          <a:noFill/>
+        </p:spPr>
+        <p:txBody>
+          <a:bodyPr wrap="square" rtlCol="0" anchor="t">
+            <a:spAutoFit/>
+          </a:bodyPr>
+          <a:p>
+            <a:r>
+              <a:rPr lang="es-ES" altLang="en-US"/>
+              <a:t>A stream is a sequence of ongoing events ordered in time. It can be anything like user inputs, button clicks or data structures.</a:t>
+            </a:r>
+            <a:endParaRPr lang="es-ES" altLang="en-US"/>
+          </a:p>
+          <a:p>
+            <a:endParaRPr lang="es-ES" altLang="en-US"/>
+          </a:p>
+          <a:p>
+            <a:r>
+              <a:rPr lang="es-ES" altLang="en-US"/>
+              <a:t> You can listen to a stream and react to it accordingly. You can use functions to combine, filter or map streams.</a:t>
+            </a:r>
+            <a:endParaRPr lang="es-ES" altLang="en-US"/>
+          </a:p>
+        </p:txBody>
+      </p:sp>
+    </p:spTree>
+  </p:cSld>
+  <p:clrMapOvr>
+    <a:masterClrMapping/>
+  </p:clrMapOvr>
+</p:sld>
+</file>
+
+<file path=ppt/slides/slide6.xml><?xml version="1.0" encoding="utf-8"?>
+<p:sld xmlns:a="http://schemas.openxmlformats.org/drawingml/2006/main" xmlns:r="http://schemas.openxmlformats.org/officeDocument/2006/relationships" xmlns:p="http://schemas.openxmlformats.org/presentationml/2006/main">
+  <p:cSld>
+    <p:spTree>
+      <p:nvGrpSpPr>
+        <p:cNvPr id="1" name=""/>
+        <p:cNvGrpSpPr/>
+        <p:nvPr/>
+      </p:nvGrpSpPr>
+      <p:grpSpPr/>
+      <p:sp>
+        <p:nvSpPr>
+          <p:cNvPr id="2" name="Título 1"/>
+          <p:cNvSpPr>
+            <a:spLocks noGrp="1"/>
+          </p:cNvSpPr>
+          <p:nvPr>
+            <p:ph type="title"/>
+          </p:nvPr>
+        </p:nvSpPr>
+        <p:spPr/>
+        <p:txBody>
+          <a:bodyPr/>
+          <a:p>
+            <a:r>
+              <a:rPr lang="es-ES" altLang="en-US">
+                <a:sym typeface="+mn-ea"/>
+              </a:rPr>
+              <a:t>Reactive Programming</a:t>
+            </a:r>
+            <a:endParaRPr lang="es-ES" altLang="en-US"/>
+          </a:p>
+        </p:txBody>
+      </p:sp>
+      <p:sp>
+        <p:nvSpPr>
+          <p:cNvPr id="3" name="Marcador de posición de texto 2"/>
+          <p:cNvSpPr>
+            <a:spLocks noGrp="1"/>
+          </p:cNvSpPr>
+          <p:nvPr>
+            <p:ph type="body" sz="quarter" idx="13"/>
+          </p:nvPr>
+        </p:nvSpPr>
+        <p:spPr/>
+        <p:txBody>
+          <a:bodyPr/>
+          <a:p>
+            <a:r>
+              <a:rPr lang="es-ES" altLang="en-US"/>
+              <a:t>RxJS</a:t>
+            </a:r>
+            <a:endParaRPr lang="es-ES" altLang="en-US"/>
+          </a:p>
+        </p:txBody>
+      </p:sp>
+      <p:sp>
+        <p:nvSpPr>
+          <p:cNvPr id="5" name="Cuadro de texto 4"/>
+          <p:cNvSpPr txBox="1"/>
+          <p:nvPr/>
+        </p:nvSpPr>
+        <p:spPr>
+          <a:xfrm flipH="1">
+            <a:off x="7362825" y="5511165"/>
+            <a:ext cx="4343400" cy="460375"/>
+          </a:xfrm>
+          <a:prstGeom prst="rect">
+            <a:avLst/>
+          </a:prstGeom>
+          <a:noFill/>
+        </p:spPr>
+        <p:txBody>
+          <a:bodyPr wrap="square" rtlCol="0" anchor="t">
+            <a:spAutoFit/>
+          </a:bodyPr>
+          <a:p>
+            <a:r>
+              <a:rPr lang="es-ES" altLang="en-US"/>
+              <a:t>https://rxjs-dev.firebaseapp.com/</a:t>
+            </a:r>
+            <a:endParaRPr lang="es-ES" altLang="en-US"/>
+          </a:p>
+        </p:txBody>
+      </p:sp>
+      <p:sp>
+        <p:nvSpPr>
+          <p:cNvPr id="6" name="Cuadro de texto 5"/>
+          <p:cNvSpPr txBox="1"/>
+          <p:nvPr/>
+        </p:nvSpPr>
+        <p:spPr>
+          <a:xfrm>
+            <a:off x="299085" y="1564640"/>
+            <a:ext cx="7333615" cy="460375"/>
+          </a:xfrm>
+          <a:prstGeom prst="rect">
+            <a:avLst/>
+          </a:prstGeom>
+          <a:noFill/>
+        </p:spPr>
+        <p:txBody>
+          <a:bodyPr wrap="square" rtlCol="0" anchor="t">
+            <a:spAutoFit/>
+          </a:bodyPr>
+          <a:p>
+            <a:r>
+              <a:rPr lang="es-ES" altLang="en-US"/>
+              <a:t>REACTIVE EXTENSIONS LIBRARY FOR JAVASCRIPT</a:t>
+            </a:r>
+            <a:endParaRPr lang="es-ES" altLang="en-US"/>
+          </a:p>
+        </p:txBody>
+      </p:sp>
       <p:pic>
         <p:nvPicPr>
-          <p:cNvPr id="8" name="Picture 7" descr="typescript"/>
+          <p:cNvPr id="7" name="Imagen 6" descr="Rx_Logo-512-512"/>
           <p:cNvPicPr>
             <a:picLocks noChangeAspect="1"/>
           </p:cNvPicPr>
           <p:nvPr/>
         </p:nvPicPr>
         <p:blipFill>
-          <a:blip r:embed="rId2"/>
+          <a:blip r:embed="rId1"/>
           <a:stretch>
             <a:fillRect/>
           </a:stretch>
         </p:blipFill>
         <p:spPr>
           <a:xfrm>
-            <a:off x="7248525" y="1734820"/>
-            <a:ext cx="1823720" cy="1823720"/>
+            <a:off x="7908925" y="1564640"/>
+            <a:ext cx="3251200" cy="3251200"/>
           </a:xfrm>
           <a:prstGeom prst="rect">
             <a:avLst/>
           </a:prstGeom>
         </p:spPr>
       </p:pic>
+      <p:sp>
+        <p:nvSpPr>
+          <p:cNvPr id="8" name="Cuadro de texto 7"/>
+          <p:cNvSpPr txBox="1"/>
+          <p:nvPr/>
+        </p:nvSpPr>
+        <p:spPr>
+          <a:xfrm>
+            <a:off x="299085" y="2416810"/>
+            <a:ext cx="6813550" cy="1198880"/>
+          </a:xfrm>
+          <a:prstGeom prst="rect">
+            <a:avLst/>
+          </a:prstGeom>
+          <a:noFill/>
+        </p:spPr>
+        <p:txBody>
+          <a:bodyPr wrap="square" rtlCol="0" anchor="t">
+            <a:spAutoFit/>
+          </a:bodyPr>
+          <a:p>
+            <a:r>
+              <a:rPr lang="es-ES" altLang="en-US"/>
+              <a:t>RxJS is a library for reactive programming using Observables, to make it easier to compose asynchronous or callback-based code. </a:t>
+            </a:r>
+            <a:endParaRPr lang="es-ES" altLang="en-US"/>
+          </a:p>
+        </p:txBody>
+      </p:sp>
     </p:spTree>
   </p:cSld>
   <p:clrMapOvr>
@@ -9499,7 +8683,7 @@
       <p:grpSpPr/>
       <p:sp>
         <p:nvSpPr>
-          <p:cNvPr id="2" name="Title 1"/>
+          <p:cNvPr id="2" name="Título 1"/>
           <p:cNvSpPr>
             <a:spLocks noGrp="1"/>
           </p:cNvSpPr>
@@ -9511,13 +8695,17 @@
         <p:txBody>
           <a:bodyPr/>
           <a:p>
-            <a:endParaRPr lang="en-US"/>
-          </a:p>
-        </p:txBody>
-      </p:sp>
-      <p:sp>
-        <p:nvSpPr>
-          <p:cNvPr id="3" name="Text Placeholder 2"/>
+            <a:r>
+              <a:rPr lang="es-ES" altLang="en-US"/>
+              <a:t>Rxjs</a:t>
+            </a:r>
+            <a:endParaRPr lang="es-ES" altLang="en-US"/>
+          </a:p>
+        </p:txBody>
+      </p:sp>
+      <p:sp>
+        <p:nvSpPr>
+          <p:cNvPr id="3" name="Marcador de posición de texto 2"/>
           <p:cNvSpPr>
             <a:spLocks noGrp="1"/>
           </p:cNvSpPr>
@@ -9529,7 +8717,129 @@
         <p:txBody>
           <a:bodyPr/>
           <a:p>
-            <a:endParaRPr lang="en-US"/>
+            <a:r>
+              <a:rPr lang="es-ES" altLang="en-US">
+                <a:sym typeface="+mn-ea"/>
+              </a:rPr>
+              <a:t>Observables</a:t>
+            </a:r>
+            <a:endParaRPr lang="es-ES" altLang="en-US"/>
+          </a:p>
+        </p:txBody>
+      </p:sp>
+      <p:pic>
+        <p:nvPicPr>
+          <p:cNvPr id="6" name="Imagen 5" descr="observablejpeg"/>
+          <p:cNvPicPr>
+            <a:picLocks noChangeAspect="1"/>
+          </p:cNvPicPr>
+          <p:nvPr/>
+        </p:nvPicPr>
+        <p:blipFill>
+          <a:blip r:embed="rId1"/>
+          <a:stretch>
+            <a:fillRect/>
+          </a:stretch>
+        </p:blipFill>
+        <p:spPr>
+          <a:xfrm>
+            <a:off x="5408930" y="2042160"/>
+            <a:ext cx="6307455" cy="1959610"/>
+          </a:xfrm>
+          <a:prstGeom prst="rect">
+            <a:avLst/>
+          </a:prstGeom>
+        </p:spPr>
+      </p:pic>
+      <p:sp>
+        <p:nvSpPr>
+          <p:cNvPr id="7" name="Cuadro de texto 6"/>
+          <p:cNvSpPr txBox="1"/>
+          <p:nvPr/>
+        </p:nvSpPr>
+        <p:spPr>
+          <a:xfrm>
+            <a:off x="299085" y="1982470"/>
+            <a:ext cx="5662930" cy="1198880"/>
+          </a:xfrm>
+          <a:prstGeom prst="rect">
+            <a:avLst/>
+          </a:prstGeom>
+          <a:noFill/>
+        </p:spPr>
+        <p:txBody>
+          <a:bodyPr wrap="square" rtlCol="0" anchor="t">
+            <a:spAutoFit/>
+          </a:bodyPr>
+          <a:p>
+            <a:r>
+              <a:rPr lang="es-ES" altLang="en-US"/>
+              <a:t>Observables provide support for passing messages between publishers and subscribers in your application.</a:t>
+            </a:r>
+            <a:endParaRPr lang="es-ES" altLang="en-US"/>
+          </a:p>
+        </p:txBody>
+      </p:sp>
+      <p:sp>
+        <p:nvSpPr>
+          <p:cNvPr id="8" name="Cuadro de texto 7"/>
+          <p:cNvSpPr txBox="1"/>
+          <p:nvPr/>
+        </p:nvSpPr>
+        <p:spPr>
+          <a:xfrm>
+            <a:off x="299085" y="4001770"/>
+            <a:ext cx="4785995" cy="2306955"/>
+          </a:xfrm>
+          <a:prstGeom prst="rect">
+            <a:avLst/>
+          </a:prstGeom>
+          <a:noFill/>
+        </p:spPr>
+        <p:txBody>
+          <a:bodyPr wrap="square" rtlCol="0" anchor="t">
+            <a:spAutoFit/>
+          </a:bodyPr>
+          <a:p>
+            <a:r>
+              <a:rPr lang="es-ES" altLang="en-US"/>
+              <a:t>Observables offer significant benefits over other techniques for event handling, asynchronous programming, and handling multiple values.</a:t>
+            </a:r>
+            <a:endParaRPr lang="es-ES" altLang="en-US"/>
+          </a:p>
+          <a:p>
+            <a:endParaRPr lang="es-ES" altLang="en-US"/>
+          </a:p>
+        </p:txBody>
+      </p:sp>
+      <p:sp>
+        <p:nvSpPr>
+          <p:cNvPr id="9" name="Cuadro de texto 8"/>
+          <p:cNvSpPr txBox="1"/>
+          <p:nvPr/>
+        </p:nvSpPr>
+        <p:spPr>
+          <a:xfrm>
+            <a:off x="5962015" y="4791710"/>
+            <a:ext cx="3811905" cy="1198880"/>
+          </a:xfrm>
+          <a:prstGeom prst="rect">
+            <a:avLst/>
+          </a:prstGeom>
+          <a:noFill/>
+        </p:spPr>
+        <p:txBody>
+          <a:bodyPr wrap="square" rtlCol="0" anchor="t">
+            <a:spAutoFit/>
+          </a:bodyPr>
+          <a:p>
+            <a:r>
+              <a:rPr lang="es-ES" altLang="en-US">
+                <a:sym typeface="+mn-ea"/>
+              </a:rPr>
+              <a:t>Observables are lazy. It doesn’t start producing data untill you subscribe to it.</a:t>
+            </a:r>
+            <a:endParaRPr lang="es-ES" altLang="en-US"/>
           </a:p>
         </p:txBody>
       </p:sp>
@@ -9550,14 +8860,7 @@
         <p:cNvGrpSpPr/>
         <p:nvPr/>
       </p:nvGrpSpPr>
-      <p:grpSpPr>
-        <a:xfrm>
-          <a:off x="0" y="0"/>
-          <a:ext cx="0" cy="0"/>
-          <a:chOff x="0" y="0"/>
-          <a:chExt cx="0" cy="0"/>
-        </a:xfrm>
-      </p:grpSpPr>
+      <p:grpSpPr/>
       <p:sp>
         <p:nvSpPr>
           <p:cNvPr id="2" name="Título 1"/>
@@ -9571,13 +8874,118 @@
         <p:spPr/>
         <p:txBody>
           <a:bodyPr/>
-          <a:lstStyle/>
           <a:p>
             <a:r>
-              <a:rPr lang="es-ES" dirty="0" err="1"/>
-              <a:t>Apariencia</a:t>
+              <a:rPr lang="es-ES" altLang="en-US"/>
+              <a:t>Rxjs</a:t>
             </a:r>
-            <a:endParaRPr lang="es-ES" dirty="0"/>
+            <a:endParaRPr lang="es-ES" altLang="en-US"/>
+          </a:p>
+        </p:txBody>
+      </p:sp>
+      <p:sp>
+        <p:nvSpPr>
+          <p:cNvPr id="3" name="Marcador de posición de texto 2"/>
+          <p:cNvSpPr>
+            <a:spLocks noGrp="1"/>
+          </p:cNvSpPr>
+          <p:nvPr>
+            <p:ph type="body" sz="quarter" idx="13"/>
+          </p:nvPr>
+        </p:nvSpPr>
+        <p:spPr/>
+        <p:txBody>
+          <a:bodyPr/>
+          <a:p>
+            <a:r>
+              <a:rPr lang="es-ES" altLang="en-US">
+                <a:sym typeface="+mn-ea"/>
+              </a:rPr>
+              <a:t>Observer</a:t>
+            </a:r>
+            <a:endParaRPr lang="es-ES" altLang="en-US"/>
+          </a:p>
+        </p:txBody>
+      </p:sp>
+      <p:sp>
+        <p:nvSpPr>
+          <p:cNvPr id="4" name="Cuadro de texto 3"/>
+          <p:cNvSpPr txBox="1"/>
+          <p:nvPr/>
+        </p:nvSpPr>
+        <p:spPr>
+          <a:xfrm>
+            <a:off x="299085" y="1771015"/>
+            <a:ext cx="5267960" cy="1938020"/>
+          </a:xfrm>
+          <a:prstGeom prst="rect">
+            <a:avLst/>
+          </a:prstGeom>
+          <a:noFill/>
+        </p:spPr>
+        <p:txBody>
+          <a:bodyPr wrap="square" rtlCol="0" anchor="t">
+            <a:spAutoFit/>
+          </a:bodyPr>
+          <a:p>
+            <a:r>
+              <a:rPr lang="es-ES" altLang="en-US"/>
+              <a:t>An observer is object literal with next(), error() and complete()functions. In the above example, the observer is the object literal we pass into our .subscribe() method.</a:t>
+            </a:r>
+            <a:endParaRPr lang="es-ES" altLang="en-US"/>
+          </a:p>
+        </p:txBody>
+      </p:sp>
+      <p:pic>
+        <p:nvPicPr>
+          <p:cNvPr id="6" name="Imagen 5" descr="observable"/>
+          <p:cNvPicPr>
+            <a:picLocks noChangeAspect="1"/>
+          </p:cNvPicPr>
+          <p:nvPr/>
+        </p:nvPicPr>
+        <p:blipFill>
+          <a:blip r:embed="rId1"/>
+          <a:stretch>
+            <a:fillRect/>
+          </a:stretch>
+        </p:blipFill>
+        <p:spPr>
+          <a:xfrm>
+            <a:off x="6527800" y="1771015"/>
+            <a:ext cx="3757295" cy="2682240"/>
+          </a:xfrm>
+          <a:prstGeom prst="rect">
+            <a:avLst/>
+          </a:prstGeom>
+        </p:spPr>
+      </p:pic>
+      <p:sp>
+        <p:nvSpPr>
+          <p:cNvPr id="7" name="Cuadro de texto 6"/>
+          <p:cNvSpPr txBox="1"/>
+          <p:nvPr/>
+        </p:nvSpPr>
+        <p:spPr>
+          <a:xfrm>
+            <a:off x="299085" y="4453255"/>
+            <a:ext cx="5515610" cy="1198880"/>
+          </a:xfrm>
+          <a:prstGeom prst="rect">
+            <a:avLst/>
+          </a:prstGeom>
+          <a:noFill/>
+        </p:spPr>
+        <p:txBody>
+          <a:bodyPr wrap="square" rtlCol="0" anchor="t">
+            <a:spAutoFit/>
+          </a:bodyPr>
+          <a:p>
+            <a:r>
+              <a:rPr lang="es-ES" altLang="en-US"/>
+              <a:t>When we subscribe to an Observable, it will keep passing values to an observer until the complete signal.</a:t>
+            </a:r>
+            <a:endParaRPr lang="es-ES" altLang="en-US"/>
           </a:p>
         </p:txBody>
       </p:sp>
@@ -9601,7 +9009,7 @@
       <p:grpSpPr/>
       <p:sp>
         <p:nvSpPr>
-          <p:cNvPr id="2" name="Title 1"/>
+          <p:cNvPr id="2" name="Título 1"/>
           <p:cNvSpPr>
             <a:spLocks noGrp="1"/>
           </p:cNvSpPr>
@@ -9614,16 +9022,21 @@
           <a:bodyPr/>
           <a:p>
             <a:r>
+              <a:rPr lang="es-ES" altLang="en-US">
+                <a:sym typeface="+mn-ea"/>
+              </a:rPr>
+              <a:t>RxJS</a:t>
+            </a:r>
+            <a:br>
               <a:rPr lang="es-ES" altLang="en-US"/>
-              <a:t>TsLint</a:t>
-            </a:r>
+            </a:br>
             <a:endParaRPr lang="es-ES" altLang="en-US"/>
           </a:p>
         </p:txBody>
       </p:sp>
       <p:sp>
         <p:nvSpPr>
-          <p:cNvPr id="3" name="Text Placeholder 2"/>
+          <p:cNvPr id="3" name="Marcador de posición de texto 2"/>
           <p:cNvSpPr>
             <a:spLocks noGrp="1"/>
           </p:cNvSpPr>
@@ -9636,23 +9049,23 @@
           <a:bodyPr/>
           <a:p>
             <a:r>
-              <a:rPr lang="en-US"/>
-              <a:t>Rule: indent</a:t>
+              <a:rPr lang="es-ES" altLang="en-US"/>
+              <a:t>Subject</a:t>
             </a:r>
-            <a:endParaRPr lang="en-US"/>
-          </a:p>
-        </p:txBody>
-      </p:sp>
-      <p:sp>
-        <p:nvSpPr>
-          <p:cNvPr id="4" name="Text Box 3"/>
+            <a:endParaRPr lang="es-ES" altLang="en-US"/>
+          </a:p>
+        </p:txBody>
+      </p:sp>
+      <p:sp>
+        <p:nvSpPr>
+          <p:cNvPr id="4" name="Cuadro de texto 3"/>
           <p:cNvSpPr txBox="1"/>
           <p:nvPr/>
         </p:nvSpPr>
         <p:spPr>
           <a:xfrm>
-            <a:off x="299085" y="1466215"/>
-            <a:ext cx="5920740" cy="460375"/>
+            <a:off x="2493645" y="1876425"/>
+            <a:ext cx="6723380" cy="1198880"/>
           </a:xfrm>
           <a:prstGeom prst="rect">
             <a:avLst/>
@@ -9660,47 +9073,56 @@
           <a:noFill/>
         </p:spPr>
         <p:txBody>
-          <a:bodyPr wrap="square" rtlCol="0" anchor="t">
+          <a:bodyPr wrap="square" rtlCol="0">
             <a:spAutoFit/>
           </a:bodyPr>
           <a:p>
             <a:r>
-              <a:rPr lang="en-US"/>
-              <a:t>Enforces indentation with tabs or spaces.</a:t>
+              <a:rPr lang="es-ES" altLang="en-US"/>
+              <a:t>Subjetcs</a:t>
             </a:r>
-            <a:endParaRPr lang="en-US"/>
-          </a:p>
-        </p:txBody>
-      </p:sp>
-      <p:sp>
-        <p:nvSpPr>
-          <p:cNvPr id="5" name="Text Box 4"/>
-          <p:cNvSpPr txBox="1"/>
+            <a:endParaRPr lang="es-ES" altLang="en-US"/>
+          </a:p>
+          <a:p>
+            <a:r>
+              <a:rPr lang="es-ES" altLang="en-US"/>
+              <a:t>BehaviourSubcjet</a:t>
+            </a:r>
+            <a:endParaRPr lang="es-ES" altLang="en-US"/>
+          </a:p>
+          <a:p>
+            <a:r>
+              <a:rPr lang="es-ES" altLang="en-US"/>
+              <a:t>MultiCast</a:t>
+            </a:r>
+            <a:endParaRPr lang="es-ES" altLang="en-US"/>
+          </a:p>
+        </p:txBody>
+      </p:sp>
+      <p:pic>
+        <p:nvPicPr>
+          <p:cNvPr id="6" name="Imagen 5" descr="subjectjpeg"/>
+          <p:cNvPicPr>
+            <a:picLocks noChangeAspect="1"/>
+          </p:cNvPicPr>
           <p:nvPr/>
-        </p:nvSpPr>
-        <p:spPr>
-          <a:xfrm>
-            <a:off x="299085" y="4681220"/>
-            <a:ext cx="11640185" cy="829945"/>
-          </a:xfrm>
-          <a:prstGeom prst="rect">
-            <a:avLst/>
-          </a:prstGeom>
-          <a:noFill/>
-        </p:spPr>
-        <p:txBody>
-          <a:bodyPr wrap="square" rtlCol="0" anchor="t">
-            <a:spAutoFit/>
-          </a:bodyPr>
-          <a:p>
-            <a:r>
-              <a:rPr lang="en-US"/>
-              <a:t>Using only one of tabs or spaces for indentation leads to more consistent editor behavior, cleaner diffs in version control, and easier programmatic manipulation.</a:t>
-            </a:r>
-            <a:endParaRPr lang="en-US"/>
-          </a:p>
-        </p:txBody>
-      </p:sp>
+        </p:nvPicPr>
+        <p:blipFill>
+          <a:blip r:embed="rId1"/>
+          <a:stretch>
+            <a:fillRect/>
+          </a:stretch>
+        </p:blipFill>
+        <p:spPr>
+          <a:xfrm>
+            <a:off x="5666740" y="1876425"/>
+            <a:ext cx="5799455" cy="2446020"/>
+          </a:xfrm>
+          <a:prstGeom prst="rect">
+            <a:avLst/>
+          </a:prstGeom>
+        </p:spPr>
+      </p:pic>
     </p:spTree>
   </p:cSld>
   <p:clrMapOvr>

--- a/04_flow_events/04_flow_events.pptx
+++ b/04_flow_events/04_flow_events.pptx
@@ -7,7 +7,7 @@
     <p:sldMasterId id="2147483671" r:id="rId4"/>
   </p:sldMasterIdLst>
   <p:notesMasterIdLst>
-    <p:notesMasterId r:id="rId19"/>
+    <p:notesMasterId r:id="rId28"/>
   </p:notesMasterIdLst>
   <p:sldIdLst>
     <p:sldId id="522" r:id="rId5"/>
@@ -19,11 +19,20 @@
     <p:sldId id="517" r:id="rId11"/>
     <p:sldId id="525" r:id="rId12"/>
     <p:sldId id="519" r:id="rId13"/>
-    <p:sldId id="520" r:id="rId14"/>
-    <p:sldId id="536" r:id="rId15"/>
-    <p:sldId id="518" r:id="rId16"/>
-    <p:sldId id="465" r:id="rId17"/>
-    <p:sldId id="464" r:id="rId18"/>
+    <p:sldId id="546" r:id="rId14"/>
+    <p:sldId id="543" r:id="rId15"/>
+    <p:sldId id="545" r:id="rId16"/>
+    <p:sldId id="547" r:id="rId17"/>
+    <p:sldId id="542" r:id="rId18"/>
+    <p:sldId id="520" r:id="rId19"/>
+    <p:sldId id="536" r:id="rId20"/>
+    <p:sldId id="548" r:id="rId21"/>
+    <p:sldId id="518" r:id="rId22"/>
+    <p:sldId id="550" r:id="rId23"/>
+    <p:sldId id="551" r:id="rId24"/>
+    <p:sldId id="552" r:id="rId25"/>
+    <p:sldId id="465" r:id="rId26"/>
+    <p:sldId id="464" r:id="rId27"/>
   </p:sldIdLst>
   <p:sldSz cx="12192000" cy="6858000"/>
   <p:notesSz cx="6858000" cy="9144000"/>
@@ -6891,7 +6900,7 @@
           <a:p>
             <a:r>
               <a:rPr lang="es-ES" altLang="en-US"/>
-              <a:t>Operators</a:t>
+              <a:t>Multicasted Observables</a:t>
             </a:r>
             <a:endParaRPr lang="es-ES" altLang="en-US"/>
           </a:p>
@@ -6899,14 +6908,14 @@
       </p:sp>
       <p:sp>
         <p:nvSpPr>
-          <p:cNvPr id="5" name="Cuadro de texto 4"/>
+          <p:cNvPr id="4" name="Cuadro de texto 3"/>
           <p:cNvSpPr txBox="1"/>
           <p:nvPr/>
         </p:nvSpPr>
         <p:spPr>
           <a:xfrm>
-            <a:off x="299085" y="1892300"/>
-            <a:ext cx="5539105" cy="1198880"/>
+            <a:off x="1376045" y="1796415"/>
+            <a:ext cx="8399145" cy="829945"/>
           </a:xfrm>
           <a:prstGeom prst="rect">
             <a:avLst/>
@@ -6920,7 +6929,7 @@
           <a:p>
             <a:r>
               <a:rPr lang="es-ES" altLang="en-US"/>
-              <a:t>An Operator is essentially a pure function which takes one Observable as input and generates another Observable as output.</a:t>
+              <a:t>A multicasted Observable uses a Subject under the hood to make multiple Observers see the same Observable execution.</a:t>
             </a:r>
             <a:endParaRPr lang="es-ES" altLang="en-US"/>
           </a:p>
@@ -6928,7 +6937,7 @@
       </p:sp>
       <p:pic>
         <p:nvPicPr>
-          <p:cNvPr id="6" name="Imagen 5" descr="operators"/>
+          <p:cNvPr id="5" name="Imagen 4" descr="multi-cast"/>
           <p:cNvPicPr>
             <a:picLocks noChangeAspect="1"/>
           </p:cNvPicPr>
@@ -6942,8 +6951,8 @@
         </p:blipFill>
         <p:spPr>
           <a:xfrm>
-            <a:off x="6884670" y="1892300"/>
-            <a:ext cx="4404995" cy="2956560"/>
+            <a:off x="1066800" y="3093720"/>
+            <a:ext cx="10058400" cy="3016885"/>
           </a:xfrm>
           <a:prstGeom prst="rect">
             <a:avLst/>
@@ -6982,6 +6991,12 @@
         <p:txBody>
           <a:bodyPr/>
           <a:p>
+            <a:r>
+              <a:rPr lang="es-ES" altLang="en-US">
+                <a:sym typeface="+mn-ea"/>
+              </a:rPr>
+              <a:t>RxJS</a:t>
+            </a:r>
             <a:endParaRPr lang="es-ES" altLang="en-US"/>
           </a:p>
         </p:txBody>
@@ -7000,6 +7015,10 @@
         <p:txBody>
           <a:bodyPr/>
           <a:p>
+            <a:r>
+              <a:rPr lang="es-ES" altLang="en-US"/>
+              <a:t>BehaviorSubject</a:t>
+            </a:r>
             <a:endParaRPr lang="es-ES" altLang="en-US"/>
           </a:p>
         </p:txBody>
@@ -7012,8 +7031,8 @@
         </p:nvSpPr>
         <p:spPr>
           <a:xfrm>
-            <a:off x="2633980" y="2004695"/>
-            <a:ext cx="7205980" cy="460375"/>
+            <a:off x="299085" y="2075815"/>
+            <a:ext cx="5159375" cy="2306955"/>
           </a:xfrm>
           <a:prstGeom prst="rect">
             <a:avLst/>
@@ -7021,18 +7040,42 @@
           <a:noFill/>
         </p:spPr>
         <p:txBody>
-          <a:bodyPr wrap="square" rtlCol="0">
+          <a:bodyPr wrap="square" rtlCol="0" anchor="t">
             <a:spAutoFit/>
           </a:bodyPr>
           <a:p>
             <a:r>
               <a:rPr lang="es-ES" altLang="en-US"/>
-              <a:t>Ejercicios Observables</a:t>
+              <a:t>BehaviorSubjects are useful for representing "values over time". For instance, an event stream of birthdays is a Subject, but the stream of a person's age would be a BehaviorSubject.</a:t>
             </a:r>
             <a:endParaRPr lang="es-ES" altLang="en-US"/>
           </a:p>
         </p:txBody>
       </p:sp>
+      <p:pic>
+        <p:nvPicPr>
+          <p:cNvPr id="5" name="Imagen 4" descr="S.BehaviorSubject"/>
+          <p:cNvPicPr>
+            <a:picLocks noChangeAspect="1"/>
+          </p:cNvPicPr>
+          <p:nvPr/>
+        </p:nvPicPr>
+        <p:blipFill>
+          <a:blip r:embed="rId1"/>
+          <a:stretch>
+            <a:fillRect/>
+          </a:stretch>
+        </p:blipFill>
+        <p:spPr>
+          <a:xfrm>
+            <a:off x="5751195" y="1380490"/>
+            <a:ext cx="5703570" cy="3698240"/>
+          </a:xfrm>
+          <a:prstGeom prst="rect">
+            <a:avLst/>
+          </a:prstGeom>
+        </p:spPr>
+      </p:pic>
     </p:spTree>
   </p:cSld>
   <p:clrMapOvr>
@@ -7065,6 +7108,12 @@
         <p:txBody>
           <a:bodyPr/>
           <a:p>
+            <a:r>
+              <a:rPr lang="es-ES" altLang="en-US">
+                <a:sym typeface="+mn-ea"/>
+              </a:rPr>
+              <a:t>RxJS</a:t>
+            </a:r>
             <a:endParaRPr lang="es-ES" altLang="en-US"/>
           </a:p>
         </p:txBody>
@@ -7083,6 +7132,10 @@
         <p:txBody>
           <a:bodyPr/>
           <a:p>
+            <a:r>
+              <a:rPr lang="es-ES" altLang="en-US"/>
+              <a:t>ReplaySubject</a:t>
+            </a:r>
             <a:endParaRPr lang="es-ES" altLang="en-US"/>
           </a:p>
         </p:txBody>
@@ -7095,8 +7148,8 @@
         </p:nvSpPr>
         <p:spPr>
           <a:xfrm>
-            <a:off x="1203960" y="2256790"/>
-            <a:ext cx="9140190" cy="460375"/>
+            <a:off x="299085" y="1732280"/>
+            <a:ext cx="4450715" cy="1568450"/>
           </a:xfrm>
           <a:prstGeom prst="rect">
             <a:avLst/>
@@ -7104,69 +7157,66 @@
           <a:noFill/>
         </p:spPr>
         <p:txBody>
-          <a:bodyPr wrap="square" rtlCol="0">
+          <a:bodyPr wrap="square" rtlCol="0" anchor="t">
             <a:spAutoFit/>
           </a:bodyPr>
           <a:p>
-            <a:pPr lvl="1"/>
             <a:r>
               <a:rPr lang="es-ES" altLang="en-US"/>
-              <a:t>Communication</a:t>
+              <a:t>A ReplaySubject records multiple values from the Observable execution and replays them to new subscribers.</a:t>
             </a:r>
             <a:endParaRPr lang="es-ES" altLang="en-US"/>
           </a:p>
         </p:txBody>
       </p:sp>
-      <p:sp>
-        <p:nvSpPr>
-          <p:cNvPr id="5" name="Cuadro de texto 4"/>
-          <p:cNvSpPr txBox="1"/>
+      <p:pic>
+        <p:nvPicPr>
+          <p:cNvPr id="5" name="Imagen 4"/>
+          <p:cNvPicPr>
+            <a:picLocks noChangeAspect="1"/>
+          </p:cNvPicPr>
           <p:nvPr/>
-        </p:nvSpPr>
-        <p:spPr>
-          <a:xfrm>
-            <a:off x="2252980" y="2717165"/>
-            <a:ext cx="7366000" cy="1568450"/>
-          </a:xfrm>
-          <a:prstGeom prst="rect">
-            <a:avLst/>
-          </a:prstGeom>
-          <a:noFill/>
-        </p:spPr>
-        <p:txBody>
-          <a:bodyPr wrap="square" rtlCol="0">
-            <a:spAutoFit/>
-          </a:bodyPr>
-          <a:p>
-            <a:r>
-              <a:rPr lang="es-ES" altLang="en-US"/>
-              <a:t>Subscribe</a:t>
-            </a:r>
-            <a:endParaRPr lang="es-ES" altLang="en-US"/>
-          </a:p>
-          <a:p>
-            <a:r>
-              <a:rPr lang="es-ES" altLang="en-US"/>
-              <a:t>HttpRequest</a:t>
-            </a:r>
-            <a:endParaRPr lang="es-ES" altLang="en-US"/>
-          </a:p>
-          <a:p>
-            <a:r>
-              <a:rPr lang="es-ES" altLang="en-US"/>
-              <a:t>EventEmmiter</a:t>
-            </a:r>
-            <a:endParaRPr lang="es-ES" altLang="en-US"/>
-          </a:p>
-          <a:p>
-            <a:r>
-              <a:rPr lang="es-ES" altLang="en-US"/>
-              <a:t>AsyncPipe</a:t>
-            </a:r>
-            <a:endParaRPr lang="es-ES" altLang="en-US"/>
-          </a:p>
-        </p:txBody>
-      </p:sp>
+        </p:nvPicPr>
+        <p:blipFill>
+          <a:blip r:embed="rId1"/>
+          <a:stretch>
+            <a:fillRect/>
+          </a:stretch>
+        </p:blipFill>
+        <p:spPr>
+          <a:xfrm>
+            <a:off x="407670" y="5329555"/>
+            <a:ext cx="6851015" cy="845820"/>
+          </a:xfrm>
+          <a:prstGeom prst="rect">
+            <a:avLst/>
+          </a:prstGeom>
+        </p:spPr>
+      </p:pic>
+      <p:pic>
+        <p:nvPicPr>
+          <p:cNvPr id="6" name="Imagen 5" descr="S.ReplaySubject"/>
+          <p:cNvPicPr>
+            <a:picLocks noChangeAspect="1"/>
+          </p:cNvPicPr>
+          <p:nvPr/>
+        </p:nvPicPr>
+        <p:blipFill>
+          <a:blip r:embed="rId2"/>
+          <a:stretch>
+            <a:fillRect/>
+          </a:stretch>
+        </p:blipFill>
+        <p:spPr>
+          <a:xfrm>
+            <a:off x="5391785" y="1038860"/>
+            <a:ext cx="6259195" cy="3960495"/>
+          </a:xfrm>
+          <a:prstGeom prst="rect">
+            <a:avLst/>
+          </a:prstGeom>
+        </p:spPr>
+      </p:pic>
     </p:spTree>
   </p:cSld>
   <p:clrMapOvr>
@@ -7176,6 +7226,1206 @@
 </file>
 
 <file path=ppt/slides/slide13.xml><?xml version="1.0" encoding="utf-8"?>
+<p:sld xmlns:a="http://schemas.openxmlformats.org/drawingml/2006/main" xmlns:r="http://schemas.openxmlformats.org/officeDocument/2006/relationships" xmlns:p="http://schemas.openxmlformats.org/presentationml/2006/main">
+  <p:cSld>
+    <p:spTree>
+      <p:nvGrpSpPr>
+        <p:cNvPr id="1" name=""/>
+        <p:cNvGrpSpPr/>
+        <p:nvPr/>
+      </p:nvGrpSpPr>
+      <p:grpSpPr/>
+      <p:sp>
+        <p:nvSpPr>
+          <p:cNvPr id="2" name="Título 1"/>
+          <p:cNvSpPr>
+            <a:spLocks noGrp="1"/>
+          </p:cNvSpPr>
+          <p:nvPr>
+            <p:ph type="title"/>
+          </p:nvPr>
+        </p:nvSpPr>
+        <p:spPr/>
+        <p:txBody>
+          <a:bodyPr/>
+          <a:p>
+            <a:r>
+              <a:rPr lang="es-ES" altLang="en-US">
+                <a:sym typeface="+mn-ea"/>
+              </a:rPr>
+              <a:t>RxJS</a:t>
+            </a:r>
+            <a:endParaRPr lang="es-ES" altLang="en-US"/>
+          </a:p>
+        </p:txBody>
+      </p:sp>
+      <p:sp>
+        <p:nvSpPr>
+          <p:cNvPr id="3" name="Marcador de posición de texto 2"/>
+          <p:cNvSpPr>
+            <a:spLocks noGrp="1"/>
+          </p:cNvSpPr>
+          <p:nvPr>
+            <p:ph type="body" sz="quarter" idx="13"/>
+          </p:nvPr>
+        </p:nvSpPr>
+        <p:spPr/>
+        <p:txBody>
+          <a:bodyPr/>
+          <a:p>
+            <a:r>
+              <a:rPr lang="es-ES" altLang="en-US"/>
+              <a:t>AsyncSubject</a:t>
+            </a:r>
+            <a:endParaRPr lang="es-ES" altLang="en-US"/>
+          </a:p>
+        </p:txBody>
+      </p:sp>
+      <p:sp>
+        <p:nvSpPr>
+          <p:cNvPr id="7" name="Cuadro de texto 6"/>
+          <p:cNvSpPr txBox="1"/>
+          <p:nvPr/>
+        </p:nvSpPr>
+        <p:spPr>
+          <a:xfrm>
+            <a:off x="407670" y="1402715"/>
+            <a:ext cx="4699635" cy="1938020"/>
+          </a:xfrm>
+          <a:prstGeom prst="rect">
+            <a:avLst/>
+          </a:prstGeom>
+          <a:noFill/>
+        </p:spPr>
+        <p:txBody>
+          <a:bodyPr wrap="square" rtlCol="0" anchor="t">
+            <a:spAutoFit/>
+          </a:bodyPr>
+          <a:p>
+            <a:r>
+              <a:rPr lang="es-ES" altLang="en-US"/>
+              <a:t>The AsyncSubject is a variant where only the last value of the Observable execution is sent to its observers, and only when the execution completes.</a:t>
+            </a:r>
+            <a:endParaRPr lang="es-ES" altLang="en-US"/>
+          </a:p>
+        </p:txBody>
+      </p:sp>
+      <p:pic>
+        <p:nvPicPr>
+          <p:cNvPr id="8" name="Imagen 7" descr="S.AsyncSubject"/>
+          <p:cNvPicPr>
+            <a:picLocks noChangeAspect="1"/>
+          </p:cNvPicPr>
+          <p:nvPr/>
+        </p:nvPicPr>
+        <p:blipFill>
+          <a:blip r:embed="rId1"/>
+          <a:stretch>
+            <a:fillRect/>
+          </a:stretch>
+        </p:blipFill>
+        <p:spPr>
+          <a:xfrm>
+            <a:off x="5598795" y="1005205"/>
+            <a:ext cx="5811520" cy="4483100"/>
+          </a:xfrm>
+          <a:prstGeom prst="rect">
+            <a:avLst/>
+          </a:prstGeom>
+        </p:spPr>
+      </p:pic>
+    </p:spTree>
+  </p:cSld>
+  <p:clrMapOvr>
+    <a:masterClrMapping/>
+  </p:clrMapOvr>
+</p:sld>
+</file>
+
+<file path=ppt/slides/slide14.xml><?xml version="1.0" encoding="utf-8"?>
+<p:sld xmlns:a="http://schemas.openxmlformats.org/drawingml/2006/main" xmlns:r="http://schemas.openxmlformats.org/officeDocument/2006/relationships" xmlns:p="http://schemas.openxmlformats.org/presentationml/2006/main">
+  <p:cSld>
+    <p:spTree>
+      <p:nvGrpSpPr>
+        <p:cNvPr id="1" name=""/>
+        <p:cNvGrpSpPr/>
+        <p:nvPr/>
+      </p:nvGrpSpPr>
+      <p:grpSpPr/>
+      <p:sp>
+        <p:nvSpPr>
+          <p:cNvPr id="2" name="Título 1"/>
+          <p:cNvSpPr>
+            <a:spLocks noGrp="1"/>
+          </p:cNvSpPr>
+          <p:nvPr>
+            <p:ph type="title"/>
+          </p:nvPr>
+        </p:nvSpPr>
+        <p:spPr/>
+        <p:txBody>
+          <a:bodyPr/>
+          <a:p>
+            <a:r>
+              <a:rPr lang="es-ES" altLang="en-US">
+                <a:sym typeface="+mn-ea"/>
+              </a:rPr>
+              <a:t>Rxjs</a:t>
+            </a:r>
+            <a:endParaRPr lang="es-ES" altLang="en-US"/>
+          </a:p>
+        </p:txBody>
+      </p:sp>
+      <p:sp>
+        <p:nvSpPr>
+          <p:cNvPr id="3" name="Marcador de posición de texto 2"/>
+          <p:cNvSpPr>
+            <a:spLocks noGrp="1"/>
+          </p:cNvSpPr>
+          <p:nvPr>
+            <p:ph type="body" sz="quarter" idx="13"/>
+          </p:nvPr>
+        </p:nvSpPr>
+        <p:spPr/>
+        <p:txBody>
+          <a:bodyPr/>
+          <a:p>
+            <a:r>
+              <a:rPr lang="es-ES" altLang="en-US"/>
+              <a:t>Exercise</a:t>
+            </a:r>
+            <a:endParaRPr lang="es-ES" altLang="en-US"/>
+          </a:p>
+        </p:txBody>
+      </p:sp>
+      <p:sp>
+        <p:nvSpPr>
+          <p:cNvPr id="4" name="Cuadro de texto 3"/>
+          <p:cNvSpPr txBox="1"/>
+          <p:nvPr/>
+        </p:nvSpPr>
+        <p:spPr>
+          <a:xfrm>
+            <a:off x="1872615" y="3014345"/>
+            <a:ext cx="8446135" cy="829945"/>
+          </a:xfrm>
+          <a:prstGeom prst="rect">
+            <a:avLst/>
+          </a:prstGeom>
+          <a:noFill/>
+        </p:spPr>
+        <p:txBody>
+          <a:bodyPr wrap="square" rtlCol="0" anchor="t">
+            <a:spAutoFit/>
+          </a:bodyPr>
+          <a:p>
+            <a:r>
+              <a:rPr lang="es-ES" altLang="en-US"/>
+              <a:t>git clone https://github.com/rached193/AngularWorkshop-20181116/tree/master/01_best_practices/tslint</a:t>
+            </a:r>
+            <a:endParaRPr lang="es-ES" altLang="en-US"/>
+          </a:p>
+        </p:txBody>
+      </p:sp>
+      <p:sp>
+        <p:nvSpPr>
+          <p:cNvPr id="6" name="Cuadro de texto 5"/>
+          <p:cNvSpPr txBox="1"/>
+          <p:nvPr/>
+        </p:nvSpPr>
+        <p:spPr>
+          <a:xfrm>
+            <a:off x="1872615" y="4801235"/>
+            <a:ext cx="5607685" cy="829945"/>
+          </a:xfrm>
+          <a:prstGeom prst="rect">
+            <a:avLst/>
+          </a:prstGeom>
+          <a:noFill/>
+        </p:spPr>
+        <p:txBody>
+          <a:bodyPr wrap="square" rtlCol="0">
+            <a:spAutoFit/>
+          </a:bodyPr>
+          <a:p>
+            <a:r>
+              <a:rPr lang="es-ES" altLang="en-US"/>
+              <a:t>tsc [name] -&gt; compile the file</a:t>
+            </a:r>
+            <a:endParaRPr lang="es-ES" altLang="en-US"/>
+          </a:p>
+          <a:p>
+            <a:r>
+              <a:rPr lang="es-ES" altLang="en-US"/>
+              <a:t>node [name] -&gt; execute file</a:t>
+            </a:r>
+            <a:endParaRPr lang="es-ES" altLang="en-US"/>
+          </a:p>
+        </p:txBody>
+      </p:sp>
+    </p:spTree>
+  </p:cSld>
+  <p:clrMapOvr>
+    <a:masterClrMapping/>
+  </p:clrMapOvr>
+</p:sld>
+</file>
+
+<file path=ppt/slides/slide15.xml><?xml version="1.0" encoding="utf-8"?>
+<p:sld xmlns:a="http://schemas.openxmlformats.org/drawingml/2006/main" xmlns:r="http://schemas.openxmlformats.org/officeDocument/2006/relationships" xmlns:p="http://schemas.openxmlformats.org/presentationml/2006/main">
+  <p:cSld>
+    <p:spTree>
+      <p:nvGrpSpPr>
+        <p:cNvPr id="1" name=""/>
+        <p:cNvGrpSpPr/>
+        <p:nvPr/>
+      </p:nvGrpSpPr>
+      <p:grpSpPr/>
+      <p:sp>
+        <p:nvSpPr>
+          <p:cNvPr id="2" name="Título 1"/>
+          <p:cNvSpPr>
+            <a:spLocks noGrp="1"/>
+          </p:cNvSpPr>
+          <p:nvPr>
+            <p:ph type="title"/>
+          </p:nvPr>
+        </p:nvSpPr>
+        <p:spPr/>
+        <p:txBody>
+          <a:bodyPr/>
+          <a:p>
+            <a:r>
+              <a:rPr lang="es-ES" altLang="en-US">
+                <a:sym typeface="+mn-ea"/>
+              </a:rPr>
+              <a:t>RxJS</a:t>
+            </a:r>
+            <a:br>
+              <a:rPr lang="es-ES" altLang="en-US"/>
+            </a:br>
+            <a:endParaRPr lang="es-ES" altLang="en-US"/>
+          </a:p>
+        </p:txBody>
+      </p:sp>
+      <p:sp>
+        <p:nvSpPr>
+          <p:cNvPr id="3" name="Marcador de posición de texto 2"/>
+          <p:cNvSpPr>
+            <a:spLocks noGrp="1"/>
+          </p:cNvSpPr>
+          <p:nvPr>
+            <p:ph type="body" sz="quarter" idx="13"/>
+          </p:nvPr>
+        </p:nvSpPr>
+        <p:spPr/>
+        <p:txBody>
+          <a:bodyPr/>
+          <a:p>
+            <a:r>
+              <a:rPr lang="es-ES" altLang="en-US"/>
+              <a:t>Operators</a:t>
+            </a:r>
+            <a:endParaRPr lang="es-ES" altLang="en-US"/>
+          </a:p>
+        </p:txBody>
+      </p:sp>
+      <p:sp>
+        <p:nvSpPr>
+          <p:cNvPr id="5" name="Cuadro de texto 4"/>
+          <p:cNvSpPr txBox="1"/>
+          <p:nvPr/>
+        </p:nvSpPr>
+        <p:spPr>
+          <a:xfrm>
+            <a:off x="299085" y="1892300"/>
+            <a:ext cx="5539105" cy="1198880"/>
+          </a:xfrm>
+          <a:prstGeom prst="rect">
+            <a:avLst/>
+          </a:prstGeom>
+          <a:noFill/>
+        </p:spPr>
+        <p:txBody>
+          <a:bodyPr wrap="square" rtlCol="0" anchor="t">
+            <a:spAutoFit/>
+          </a:bodyPr>
+          <a:p>
+            <a:r>
+              <a:rPr lang="es-ES" altLang="en-US"/>
+              <a:t>An Operator is essentially a pure function which takes one Observable as input and generates another Observable as output.</a:t>
+            </a:r>
+            <a:endParaRPr lang="es-ES" altLang="en-US"/>
+          </a:p>
+        </p:txBody>
+      </p:sp>
+      <p:pic>
+        <p:nvPicPr>
+          <p:cNvPr id="6" name="Imagen 5" descr="operators"/>
+          <p:cNvPicPr>
+            <a:picLocks noChangeAspect="1"/>
+          </p:cNvPicPr>
+          <p:nvPr/>
+        </p:nvPicPr>
+        <p:blipFill>
+          <a:blip r:embed="rId1"/>
+          <a:stretch>
+            <a:fillRect/>
+          </a:stretch>
+        </p:blipFill>
+        <p:spPr>
+          <a:xfrm>
+            <a:off x="6884670" y="1892300"/>
+            <a:ext cx="4404995" cy="2956560"/>
+          </a:xfrm>
+          <a:prstGeom prst="rect">
+            <a:avLst/>
+          </a:prstGeom>
+        </p:spPr>
+      </p:pic>
+    </p:spTree>
+  </p:cSld>
+  <p:clrMapOvr>
+    <a:masterClrMapping/>
+  </p:clrMapOvr>
+</p:sld>
+</file>
+
+<file path=ppt/slides/slide16.xml><?xml version="1.0" encoding="utf-8"?>
+<p:sld xmlns:a="http://schemas.openxmlformats.org/drawingml/2006/main" xmlns:r="http://schemas.openxmlformats.org/officeDocument/2006/relationships" xmlns:p="http://schemas.openxmlformats.org/presentationml/2006/main">
+  <p:cSld>
+    <p:spTree>
+      <p:nvGrpSpPr>
+        <p:cNvPr id="1" name=""/>
+        <p:cNvGrpSpPr/>
+        <p:nvPr/>
+      </p:nvGrpSpPr>
+      <p:grpSpPr/>
+      <p:sp>
+        <p:nvSpPr>
+          <p:cNvPr id="2" name="Título 1"/>
+          <p:cNvSpPr>
+            <a:spLocks noGrp="1"/>
+          </p:cNvSpPr>
+          <p:nvPr>
+            <p:ph type="title"/>
+          </p:nvPr>
+        </p:nvSpPr>
+        <p:spPr/>
+        <p:txBody>
+          <a:bodyPr/>
+          <a:p>
+            <a:r>
+              <a:rPr lang="es-ES" altLang="en-US"/>
+              <a:t>RxJS</a:t>
+            </a:r>
+            <a:endParaRPr lang="es-ES" altLang="en-US"/>
+          </a:p>
+        </p:txBody>
+      </p:sp>
+      <p:sp>
+        <p:nvSpPr>
+          <p:cNvPr id="3" name="Marcador de posición de texto 2"/>
+          <p:cNvSpPr>
+            <a:spLocks noGrp="1"/>
+          </p:cNvSpPr>
+          <p:nvPr>
+            <p:ph type="body" sz="quarter" idx="13"/>
+          </p:nvPr>
+        </p:nvSpPr>
+        <p:spPr/>
+        <p:txBody>
+          <a:bodyPr/>
+          <a:p>
+            <a:r>
+              <a:rPr lang="es-ES" altLang="en-US"/>
+              <a:t>Angular</a:t>
+            </a:r>
+            <a:endParaRPr lang="es-ES" altLang="en-US"/>
+          </a:p>
+        </p:txBody>
+      </p:sp>
+      <p:sp>
+        <p:nvSpPr>
+          <p:cNvPr id="5" name="Cuadro de texto 4"/>
+          <p:cNvSpPr txBox="1"/>
+          <p:nvPr/>
+        </p:nvSpPr>
+        <p:spPr>
+          <a:xfrm>
+            <a:off x="1686560" y="1699895"/>
+            <a:ext cx="8818245" cy="1568450"/>
+          </a:xfrm>
+          <a:prstGeom prst="rect">
+            <a:avLst/>
+          </a:prstGeom>
+          <a:noFill/>
+        </p:spPr>
+        <p:txBody>
+          <a:bodyPr wrap="square" rtlCol="0" anchor="t">
+            <a:spAutoFit/>
+          </a:bodyPr>
+          <a:p>
+            <a:r>
+              <a:rPr lang="es-ES" altLang="en-US"/>
+              <a:t>Angular makes use of observables as an interface to handle a variety of common asynchronous operations. </a:t>
+            </a:r>
+            <a:endParaRPr lang="es-ES" altLang="en-US"/>
+          </a:p>
+          <a:p>
+            <a:endParaRPr lang="es-ES" altLang="en-US"/>
+          </a:p>
+          <a:p>
+            <a:endParaRPr lang="es-ES" altLang="en-US"/>
+          </a:p>
+        </p:txBody>
+      </p:sp>
+      <p:pic>
+        <p:nvPicPr>
+          <p:cNvPr id="6" name="Imagen 5" descr="angular"/>
+          <p:cNvPicPr>
+            <a:picLocks noChangeAspect="1"/>
+          </p:cNvPicPr>
+          <p:nvPr/>
+        </p:nvPicPr>
+        <p:blipFill>
+          <a:blip r:embed="rId1"/>
+          <a:stretch>
+            <a:fillRect/>
+          </a:stretch>
+        </p:blipFill>
+        <p:spPr>
+          <a:xfrm>
+            <a:off x="3041015" y="3602355"/>
+            <a:ext cx="6109970" cy="2601595"/>
+          </a:xfrm>
+          <a:prstGeom prst="rect">
+            <a:avLst/>
+          </a:prstGeom>
+        </p:spPr>
+      </p:pic>
+    </p:spTree>
+  </p:cSld>
+  <p:clrMapOvr>
+    <a:masterClrMapping/>
+  </p:clrMapOvr>
+</p:sld>
+</file>
+
+<file path=ppt/slides/slide17.xml><?xml version="1.0" encoding="utf-8"?>
+<p:sld xmlns:a="http://schemas.openxmlformats.org/drawingml/2006/main" xmlns:r="http://schemas.openxmlformats.org/officeDocument/2006/relationships" xmlns:p="http://schemas.openxmlformats.org/presentationml/2006/main">
+  <p:cSld>
+    <p:spTree>
+      <p:nvGrpSpPr>
+        <p:cNvPr id="1" name=""/>
+        <p:cNvGrpSpPr/>
+        <p:nvPr/>
+      </p:nvGrpSpPr>
+      <p:grpSpPr/>
+      <p:sp>
+        <p:nvSpPr>
+          <p:cNvPr id="2" name="Título 1"/>
+          <p:cNvSpPr>
+            <a:spLocks noGrp="1"/>
+          </p:cNvSpPr>
+          <p:nvPr>
+            <p:ph type="title"/>
+          </p:nvPr>
+        </p:nvSpPr>
+        <p:spPr/>
+        <p:txBody>
+          <a:bodyPr/>
+          <a:p>
+            <a:r>
+              <a:rPr lang="es-ES" altLang="en-US">
+                <a:sym typeface="+mn-ea"/>
+              </a:rPr>
+              <a:t>Angular</a:t>
+            </a:r>
+            <a:endParaRPr lang="es-ES" altLang="en-US"/>
+          </a:p>
+        </p:txBody>
+      </p:sp>
+      <p:sp>
+        <p:nvSpPr>
+          <p:cNvPr id="3" name="Marcador de posición de texto 2"/>
+          <p:cNvSpPr>
+            <a:spLocks noGrp="1"/>
+          </p:cNvSpPr>
+          <p:nvPr>
+            <p:ph type="body" sz="quarter" idx="13"/>
+          </p:nvPr>
+        </p:nvSpPr>
+        <p:spPr/>
+        <p:txBody>
+          <a:bodyPr/>
+          <a:p>
+            <a:r>
+              <a:rPr lang="es-ES" altLang="en-US"/>
+              <a:t>EventEmitter</a:t>
+            </a:r>
+            <a:endParaRPr lang="es-ES" altLang="en-US"/>
+          </a:p>
+        </p:txBody>
+      </p:sp>
+      <p:sp>
+        <p:nvSpPr>
+          <p:cNvPr id="6" name="Cuadro de texto 5"/>
+          <p:cNvSpPr txBox="1"/>
+          <p:nvPr/>
+        </p:nvSpPr>
+        <p:spPr>
+          <a:xfrm>
+            <a:off x="249555" y="2275840"/>
+            <a:ext cx="7729855" cy="1568450"/>
+          </a:xfrm>
+          <a:prstGeom prst="rect">
+            <a:avLst/>
+          </a:prstGeom>
+          <a:noFill/>
+        </p:spPr>
+        <p:txBody>
+          <a:bodyPr wrap="square" rtlCol="0" anchor="t">
+            <a:spAutoFit/>
+          </a:bodyPr>
+          <a:p>
+            <a:r>
+              <a:rPr lang="es-ES" altLang="en-US"/>
+              <a:t>Angular provides an EventEmitter class that is used when publishing values from a component through the @Output() decorator. EventEmitter extends Observable, adding an emit() method so it can send arbitrary values. </a:t>
+            </a:r>
+            <a:endParaRPr lang="es-ES" altLang="en-US"/>
+          </a:p>
+        </p:txBody>
+      </p:sp>
+    </p:spTree>
+  </p:cSld>
+  <p:clrMapOvr>
+    <a:masterClrMapping/>
+  </p:clrMapOvr>
+</p:sld>
+</file>
+
+<file path=ppt/slides/slide18.xml><?xml version="1.0" encoding="utf-8"?>
+<p:sld xmlns:a="http://schemas.openxmlformats.org/drawingml/2006/main" xmlns:r="http://schemas.openxmlformats.org/officeDocument/2006/relationships" xmlns:p="http://schemas.openxmlformats.org/presentationml/2006/main">
+  <p:cSld>
+    <p:spTree>
+      <p:nvGrpSpPr>
+        <p:cNvPr id="1" name=""/>
+        <p:cNvGrpSpPr/>
+        <p:nvPr/>
+      </p:nvGrpSpPr>
+      <p:grpSpPr/>
+      <p:sp>
+        <p:nvSpPr>
+          <p:cNvPr id="2" name="Título 1"/>
+          <p:cNvSpPr>
+            <a:spLocks noGrp="1"/>
+          </p:cNvSpPr>
+          <p:nvPr>
+            <p:ph type="title"/>
+          </p:nvPr>
+        </p:nvSpPr>
+        <p:spPr/>
+        <p:txBody>
+          <a:bodyPr/>
+          <a:p>
+            <a:r>
+              <a:rPr lang="es-ES" altLang="en-US">
+                <a:sym typeface="+mn-ea"/>
+              </a:rPr>
+              <a:t>Angular</a:t>
+            </a:r>
+            <a:endParaRPr lang="es-ES" altLang="en-US"/>
+          </a:p>
+        </p:txBody>
+      </p:sp>
+      <p:sp>
+        <p:nvSpPr>
+          <p:cNvPr id="3" name="Marcador de posición de texto 2"/>
+          <p:cNvSpPr>
+            <a:spLocks noGrp="1"/>
+          </p:cNvSpPr>
+          <p:nvPr>
+            <p:ph type="body" sz="quarter" idx="13"/>
+          </p:nvPr>
+        </p:nvSpPr>
+        <p:spPr/>
+        <p:txBody>
+          <a:bodyPr/>
+          <a:p>
+            <a:r>
+              <a:rPr lang="es-ES" altLang="en-US"/>
+              <a:t>HTTP</a:t>
+            </a:r>
+            <a:endParaRPr lang="es-ES" altLang="en-US"/>
+          </a:p>
+        </p:txBody>
+      </p:sp>
+      <p:sp>
+        <p:nvSpPr>
+          <p:cNvPr id="7" name="Cuadro de texto 6"/>
+          <p:cNvSpPr txBox="1"/>
+          <p:nvPr/>
+        </p:nvSpPr>
+        <p:spPr>
+          <a:xfrm>
+            <a:off x="351155" y="1758315"/>
+            <a:ext cx="5344160" cy="1198880"/>
+          </a:xfrm>
+          <a:prstGeom prst="rect">
+            <a:avLst/>
+          </a:prstGeom>
+          <a:noFill/>
+        </p:spPr>
+        <p:txBody>
+          <a:bodyPr wrap="square" rtlCol="0" anchor="t">
+            <a:spAutoFit/>
+          </a:bodyPr>
+          <a:p>
+            <a:r>
+              <a:rPr lang="es-ES" altLang="en-US"/>
+              <a:t>Angular’s HttpClient returns observables from HTTP method calls. For instance, http.get(‘/api’) returns an observable. </a:t>
+            </a:r>
+            <a:endParaRPr lang="es-ES" altLang="en-US"/>
+          </a:p>
+        </p:txBody>
+      </p:sp>
+    </p:spTree>
+  </p:cSld>
+  <p:clrMapOvr>
+    <a:masterClrMapping/>
+  </p:clrMapOvr>
+</p:sld>
+</file>
+
+<file path=ppt/slides/slide19.xml><?xml version="1.0" encoding="utf-8"?>
+<p:sld xmlns:a="http://schemas.openxmlformats.org/drawingml/2006/main" xmlns:r="http://schemas.openxmlformats.org/officeDocument/2006/relationships" xmlns:p="http://schemas.openxmlformats.org/presentationml/2006/main">
+  <p:cSld>
+    <p:spTree>
+      <p:nvGrpSpPr>
+        <p:cNvPr id="1" name=""/>
+        <p:cNvGrpSpPr/>
+        <p:nvPr/>
+      </p:nvGrpSpPr>
+      <p:grpSpPr/>
+      <p:sp>
+        <p:nvSpPr>
+          <p:cNvPr id="2" name="Título 1"/>
+          <p:cNvSpPr>
+            <a:spLocks noGrp="1"/>
+          </p:cNvSpPr>
+          <p:nvPr>
+            <p:ph type="title"/>
+          </p:nvPr>
+        </p:nvSpPr>
+        <p:spPr/>
+        <p:txBody>
+          <a:bodyPr/>
+          <a:p>
+            <a:r>
+              <a:rPr lang="es-ES" altLang="en-US">
+                <a:sym typeface="+mn-ea"/>
+              </a:rPr>
+              <a:t>Angular</a:t>
+            </a:r>
+            <a:endParaRPr lang="es-ES" altLang="en-US"/>
+          </a:p>
+        </p:txBody>
+      </p:sp>
+      <p:sp>
+        <p:nvSpPr>
+          <p:cNvPr id="3" name="Marcador de posición de texto 2"/>
+          <p:cNvSpPr>
+            <a:spLocks noGrp="1"/>
+          </p:cNvSpPr>
+          <p:nvPr>
+            <p:ph type="body" sz="quarter" idx="13"/>
+          </p:nvPr>
+        </p:nvSpPr>
+        <p:spPr/>
+        <p:txBody>
+          <a:bodyPr/>
+          <a:p>
+            <a:r>
+              <a:rPr lang="es-ES" altLang="en-US"/>
+              <a:t>Async pipe</a:t>
+            </a:r>
+            <a:endParaRPr lang="es-ES" altLang="en-US"/>
+          </a:p>
+        </p:txBody>
+      </p:sp>
+      <p:sp>
+        <p:nvSpPr>
+          <p:cNvPr id="4" name="Cuadro de texto 3"/>
+          <p:cNvSpPr txBox="1"/>
+          <p:nvPr/>
+        </p:nvSpPr>
+        <p:spPr>
+          <a:xfrm>
+            <a:off x="299085" y="1704975"/>
+            <a:ext cx="8570595" cy="1198880"/>
+          </a:xfrm>
+          <a:prstGeom prst="rect">
+            <a:avLst/>
+          </a:prstGeom>
+          <a:noFill/>
+        </p:spPr>
+        <p:txBody>
+          <a:bodyPr wrap="square" rtlCol="0" anchor="t">
+            <a:spAutoFit/>
+          </a:bodyPr>
+          <a:p>
+            <a:r>
+              <a:rPr lang="es-ES" altLang="en-US"/>
+              <a:t>The AsyncPipe subscribes to an observable or promise and returns the latest value it has emitted. When a new value is emitted, the pipe marks the component to be checked for changes.</a:t>
+            </a:r>
+            <a:endParaRPr lang="es-ES" altLang="en-US"/>
+          </a:p>
+        </p:txBody>
+      </p:sp>
+    </p:spTree>
+  </p:cSld>
+  <p:clrMapOvr>
+    <a:masterClrMapping/>
+  </p:clrMapOvr>
+</p:sld>
+</file>
+
+<file path=ppt/slides/slide2.xml><?xml version="1.0" encoding="utf-8"?>
+<p:sld xmlns:a="http://schemas.openxmlformats.org/drawingml/2006/main" xmlns:r="http://schemas.openxmlformats.org/officeDocument/2006/relationships" xmlns:p="http://schemas.openxmlformats.org/presentationml/2006/main" showMasterSp="0">
+  <p:cSld>
+    <p:spTree>
+      <p:nvGrpSpPr>
+        <p:cNvPr id="1" name=""/>
+        <p:cNvGrpSpPr/>
+        <p:nvPr/>
+      </p:nvGrpSpPr>
+      <p:grpSpPr/>
+      <p:sp>
+        <p:nvSpPr>
+          <p:cNvPr id="2" name="Title 1"/>
+          <p:cNvSpPr>
+            <a:spLocks noGrp="1"/>
+          </p:cNvSpPr>
+          <p:nvPr>
+            <p:ph type="title"/>
+          </p:nvPr>
+        </p:nvSpPr>
+        <p:spPr>
+          <a:xfrm>
+            <a:off x="1487488" y="523903"/>
+            <a:ext cx="7584744" cy="859035"/>
+          </a:xfrm>
+        </p:spPr>
+        <p:txBody>
+          <a:bodyPr>
+            <a:normAutofit fontScale="90000"/>
+          </a:bodyPr>
+          <a:p>
+            <a:br>
+              <a:rPr lang="es-ES" altLang="en-US"/>
+            </a:br>
+            <a:endParaRPr lang="es-ES" altLang="en-US"/>
+          </a:p>
+        </p:txBody>
+      </p:sp>
+      <p:sp>
+        <p:nvSpPr>
+          <p:cNvPr id="3" name="Text Box 2"/>
+          <p:cNvSpPr txBox="1"/>
+          <p:nvPr/>
+        </p:nvSpPr>
+        <p:spPr>
+          <a:xfrm>
+            <a:off x="4169410" y="4260850"/>
+            <a:ext cx="4065270" cy="1938020"/>
+          </a:xfrm>
+          <a:prstGeom prst="rect">
+            <a:avLst/>
+          </a:prstGeom>
+          <a:noFill/>
+        </p:spPr>
+        <p:txBody>
+          <a:bodyPr wrap="square" rtlCol="0" anchor="t">
+            <a:spAutoFit/>
+          </a:bodyPr>
+          <a:p>
+            <a:pPr marL="457200" indent="-457200">
+              <a:buAutoNum type="arabicPeriod"/>
+            </a:pPr>
+            <a:r>
+              <a:rPr lang="es-ES" altLang="en-US">
+                <a:solidFill>
+                  <a:schemeClr val="bg1"/>
+                </a:solidFill>
+              </a:rPr>
+              <a:t>Best practices in Angular</a:t>
+            </a:r>
+            <a:endParaRPr lang="en-US">
+              <a:solidFill>
+                <a:schemeClr val="bg1"/>
+              </a:solidFill>
+            </a:endParaRPr>
+          </a:p>
+          <a:p>
+            <a:pPr marL="457200" indent="-457200">
+              <a:buAutoNum type="arabicPeriod"/>
+            </a:pPr>
+            <a:r>
+              <a:rPr lang="en-US">
+                <a:solidFill>
+                  <a:schemeClr val="bg1"/>
+                </a:solidFill>
+              </a:rPr>
+              <a:t>Angular CLI</a:t>
+            </a:r>
+            <a:endParaRPr lang="en-US">
+              <a:solidFill>
+                <a:schemeClr val="bg1"/>
+              </a:solidFill>
+            </a:endParaRPr>
+          </a:p>
+          <a:p>
+            <a:pPr marL="457200" indent="-457200">
+              <a:buAutoNum type="arabicPeriod"/>
+            </a:pPr>
+            <a:r>
+              <a:rPr lang="es-ES" altLang="en-US">
+                <a:solidFill>
+                  <a:schemeClr val="bg1"/>
+                </a:solidFill>
+                <a:sym typeface="+mn-ea"/>
+              </a:rPr>
+              <a:t>Automatic Documentation</a:t>
+            </a:r>
+            <a:endParaRPr lang="es-ES" altLang="en-US">
+              <a:solidFill>
+                <a:schemeClr val="bg1"/>
+              </a:solidFill>
+              <a:sym typeface="+mn-ea"/>
+            </a:endParaRPr>
+          </a:p>
+          <a:p>
+            <a:pPr marL="457200" indent="-457200">
+              <a:buAutoNum type="arabicPeriod"/>
+            </a:pPr>
+            <a:r>
+              <a:rPr lang="es-ES" altLang="en-US">
+                <a:solidFill>
+                  <a:schemeClr val="bg1"/>
+                </a:solidFill>
+              </a:rPr>
+              <a:t>Reactive Programming</a:t>
+            </a:r>
+            <a:endParaRPr lang="es-ES" altLang="en-US">
+              <a:solidFill>
+                <a:schemeClr val="bg1"/>
+              </a:solidFill>
+            </a:endParaRPr>
+          </a:p>
+          <a:p>
+            <a:pPr marL="457200" indent="-457200">
+              <a:buAutoNum type="arabicPeriod"/>
+            </a:pPr>
+            <a:endParaRPr lang="en-US">
+              <a:solidFill>
+                <a:schemeClr val="bg1"/>
+              </a:solidFill>
+            </a:endParaRPr>
+          </a:p>
+        </p:txBody>
+      </p:sp>
+      <p:pic>
+        <p:nvPicPr>
+          <p:cNvPr id="7" name="Picture 6" descr="Angular_full_color_logo.svg"/>
+          <p:cNvPicPr>
+            <a:picLocks noChangeAspect="1"/>
+          </p:cNvPicPr>
+          <p:nvPr/>
+        </p:nvPicPr>
+        <p:blipFill>
+          <a:blip r:embed="rId1"/>
+          <a:stretch>
+            <a:fillRect/>
+          </a:stretch>
+        </p:blipFill>
+        <p:spPr>
+          <a:xfrm>
+            <a:off x="3524885" y="1383030"/>
+            <a:ext cx="2529205" cy="2529205"/>
+          </a:xfrm>
+          <a:prstGeom prst="rect">
+            <a:avLst/>
+          </a:prstGeom>
+        </p:spPr>
+      </p:pic>
+      <p:pic>
+        <p:nvPicPr>
+          <p:cNvPr id="8" name="Picture 7" descr="typescript"/>
+          <p:cNvPicPr>
+            <a:picLocks noChangeAspect="1"/>
+          </p:cNvPicPr>
+          <p:nvPr/>
+        </p:nvPicPr>
+        <p:blipFill>
+          <a:blip r:embed="rId2"/>
+          <a:stretch>
+            <a:fillRect/>
+          </a:stretch>
+        </p:blipFill>
+        <p:spPr>
+          <a:xfrm>
+            <a:off x="6402070" y="1663065"/>
+            <a:ext cx="1980565" cy="1980565"/>
+          </a:xfrm>
+          <a:prstGeom prst="rect">
+            <a:avLst/>
+          </a:prstGeom>
+        </p:spPr>
+      </p:pic>
+    </p:spTree>
+  </p:cSld>
+  <p:clrMapOvr>
+    <a:masterClrMapping/>
+  </p:clrMapOvr>
+</p:sld>
+</file>
+
+<file path=ppt/slides/slide20.xml><?xml version="1.0" encoding="utf-8"?>
+<p:sld xmlns:a="http://schemas.openxmlformats.org/drawingml/2006/main" xmlns:r="http://schemas.openxmlformats.org/officeDocument/2006/relationships" xmlns:p="http://schemas.openxmlformats.org/presentationml/2006/main">
+  <p:cSld>
+    <p:spTree>
+      <p:nvGrpSpPr>
+        <p:cNvPr id="1" name=""/>
+        <p:cNvGrpSpPr/>
+        <p:nvPr/>
+      </p:nvGrpSpPr>
+      <p:grpSpPr/>
+      <p:sp>
+        <p:nvSpPr>
+          <p:cNvPr id="2" name="Título 1"/>
+          <p:cNvSpPr>
+            <a:spLocks noGrp="1"/>
+          </p:cNvSpPr>
+          <p:nvPr>
+            <p:ph type="title"/>
+          </p:nvPr>
+        </p:nvSpPr>
+        <p:spPr/>
+        <p:txBody>
+          <a:bodyPr/>
+          <a:p>
+            <a:r>
+              <a:rPr lang="es-ES" altLang="en-US">
+                <a:sym typeface="+mn-ea"/>
+              </a:rPr>
+              <a:t>Angular</a:t>
+            </a:r>
+            <a:endParaRPr lang="es-ES" altLang="en-US"/>
+          </a:p>
+        </p:txBody>
+      </p:sp>
+      <p:sp>
+        <p:nvSpPr>
+          <p:cNvPr id="3" name="Marcador de posición de texto 2"/>
+          <p:cNvSpPr>
+            <a:spLocks noGrp="1"/>
+          </p:cNvSpPr>
+          <p:nvPr>
+            <p:ph type="body" sz="quarter" idx="13"/>
+          </p:nvPr>
+        </p:nvSpPr>
+        <p:spPr/>
+        <p:txBody>
+          <a:bodyPr/>
+          <a:p>
+            <a:r>
+              <a:rPr lang="es-ES" altLang="en-US"/>
+              <a:t>Router</a:t>
+            </a:r>
+            <a:endParaRPr lang="es-ES" altLang="en-US"/>
+          </a:p>
+        </p:txBody>
+      </p:sp>
+      <p:sp>
+        <p:nvSpPr>
+          <p:cNvPr id="4" name="Cuadro de texto 3"/>
+          <p:cNvSpPr txBox="1"/>
+          <p:nvPr/>
+        </p:nvSpPr>
+        <p:spPr>
+          <a:xfrm>
+            <a:off x="299085" y="2139950"/>
+            <a:ext cx="7117080" cy="1938020"/>
+          </a:xfrm>
+          <a:prstGeom prst="rect">
+            <a:avLst/>
+          </a:prstGeom>
+          <a:noFill/>
+        </p:spPr>
+        <p:txBody>
+          <a:bodyPr wrap="square" rtlCol="0" anchor="t">
+            <a:spAutoFit/>
+          </a:bodyPr>
+          <a:p>
+            <a:r>
+              <a:rPr lang="es-ES" altLang="en-US"/>
+              <a:t>Router.events provides events as observables. You can use the filter() operator from RxJS to look for events of interest, and subscribe to them in order to make decisions based on the sequence of events in the navigation process.</a:t>
+            </a:r>
+            <a:endParaRPr lang="es-ES" altLang="en-US"/>
+          </a:p>
+        </p:txBody>
+      </p:sp>
+    </p:spTree>
+  </p:cSld>
+  <p:clrMapOvr>
+    <a:masterClrMapping/>
+  </p:clrMapOvr>
+</p:sld>
+</file>
+
+<file path=ppt/slides/slide21.xml><?xml version="1.0" encoding="utf-8"?>
+<p:sld xmlns:a="http://schemas.openxmlformats.org/drawingml/2006/main" xmlns:r="http://schemas.openxmlformats.org/officeDocument/2006/relationships" xmlns:p="http://schemas.openxmlformats.org/presentationml/2006/main">
+  <p:cSld>
+    <p:spTree>
+      <p:nvGrpSpPr>
+        <p:cNvPr id="1" name=""/>
+        <p:cNvGrpSpPr/>
+        <p:nvPr/>
+      </p:nvGrpSpPr>
+      <p:grpSpPr/>
+      <p:sp>
+        <p:nvSpPr>
+          <p:cNvPr id="2" name="Título 1"/>
+          <p:cNvSpPr>
+            <a:spLocks noGrp="1"/>
+          </p:cNvSpPr>
+          <p:nvPr>
+            <p:ph type="title"/>
+          </p:nvPr>
+        </p:nvSpPr>
+        <p:spPr/>
+        <p:txBody>
+          <a:bodyPr/>
+          <a:p>
+            <a:r>
+              <a:rPr lang="es-ES" altLang="en-US">
+                <a:sym typeface="+mn-ea"/>
+              </a:rPr>
+              <a:t>Angular</a:t>
+            </a:r>
+            <a:endParaRPr lang="es-ES" altLang="en-US"/>
+          </a:p>
+        </p:txBody>
+      </p:sp>
+      <p:sp>
+        <p:nvSpPr>
+          <p:cNvPr id="3" name="Marcador de posición de texto 2"/>
+          <p:cNvSpPr>
+            <a:spLocks noGrp="1"/>
+          </p:cNvSpPr>
+          <p:nvPr>
+            <p:ph type="body" sz="quarter" idx="13"/>
+          </p:nvPr>
+        </p:nvSpPr>
+        <p:spPr/>
+        <p:txBody>
+          <a:bodyPr/>
+          <a:p>
+            <a:r>
+              <a:rPr lang="es-ES" altLang="en-US"/>
+              <a:t>Practical usage</a:t>
+            </a:r>
+            <a:endParaRPr lang="es-ES" altLang="en-US"/>
+          </a:p>
+        </p:txBody>
+      </p:sp>
+      <p:sp>
+        <p:nvSpPr>
+          <p:cNvPr id="5" name="Cuadro de texto 4"/>
+          <p:cNvSpPr txBox="1"/>
+          <p:nvPr/>
+        </p:nvSpPr>
+        <p:spPr>
+          <a:xfrm>
+            <a:off x="299085" y="1575435"/>
+            <a:ext cx="7067550" cy="3784600"/>
+          </a:xfrm>
+          <a:prstGeom prst="rect">
+            <a:avLst/>
+          </a:prstGeom>
+          <a:noFill/>
+        </p:spPr>
+        <p:txBody>
+          <a:bodyPr wrap="square" rtlCol="0" anchor="t">
+            <a:spAutoFit/>
+          </a:bodyPr>
+          <a:p>
+            <a:pPr marL="342900" indent="-342900">
+              <a:buFont typeface="Arial" panose="020B0604020202020204" pitchFamily="34" charset="0"/>
+              <a:buChar char="•"/>
+            </a:pPr>
+            <a:r>
+              <a:rPr lang="es-ES" altLang="en-US"/>
+              <a:t>Listen for data from an input.</a:t>
+            </a:r>
+            <a:endParaRPr lang="es-ES" altLang="en-US"/>
+          </a:p>
+          <a:p>
+            <a:pPr marL="342900" indent="-342900">
+              <a:buFont typeface="Arial" panose="020B0604020202020204" pitchFamily="34" charset="0"/>
+              <a:buChar char="•"/>
+            </a:pPr>
+            <a:r>
+              <a:rPr lang="es-ES" altLang="en-US"/>
+              <a:t>Trim the value (remove whitespace) and make sure it’s a minimum length.</a:t>
+            </a:r>
+            <a:endParaRPr lang="es-ES" altLang="en-US"/>
+          </a:p>
+          <a:p>
+            <a:pPr marL="342900" indent="-342900">
+              <a:buFont typeface="Arial" panose="020B0604020202020204" pitchFamily="34" charset="0"/>
+              <a:buChar char="•"/>
+            </a:pPr>
+            <a:r>
+              <a:rPr lang="es-ES" altLang="en-US"/>
+              <a:t>Debounce (so as not to send off API requests for every keystroke, but instead wait for a break in keystrokes).</a:t>
+            </a:r>
+            <a:endParaRPr lang="es-ES" altLang="en-US"/>
+          </a:p>
+          <a:p>
+            <a:pPr marL="342900" indent="-342900">
+              <a:buFont typeface="Arial" panose="020B0604020202020204" pitchFamily="34" charset="0"/>
+              <a:buChar char="•"/>
+            </a:pPr>
+            <a:r>
+              <a:rPr lang="es-ES" altLang="en-US"/>
+              <a:t>Don’t send a request if the value stays the same (rapidly hit a character, then backspace, for instance).</a:t>
+            </a:r>
+            <a:endParaRPr lang="es-ES" altLang="en-US"/>
+          </a:p>
+          <a:p>
+            <a:pPr marL="342900" indent="-342900">
+              <a:buFont typeface="Arial" panose="020B0604020202020204" pitchFamily="34" charset="0"/>
+              <a:buChar char="•"/>
+            </a:pPr>
+            <a:r>
+              <a:rPr lang="es-ES" altLang="en-US"/>
+              <a:t>Cancel ongoing AJAX requests if their results will be invalidated by the updated results.</a:t>
+            </a:r>
+            <a:endParaRPr lang="es-ES" altLang="en-US"/>
+          </a:p>
+        </p:txBody>
+      </p:sp>
+    </p:spTree>
+  </p:cSld>
+  <p:clrMapOvr>
+    <a:masterClrMapping/>
+  </p:clrMapOvr>
+</p:sld>
+</file>
+
+<file path=ppt/slides/slide22.xml><?xml version="1.0" encoding="utf-8"?>
 <p:sld xmlns:a="http://schemas.openxmlformats.org/drawingml/2006/main" xmlns:r="http://schemas.openxmlformats.org/officeDocument/2006/relationships" xmlns:p="http://schemas.openxmlformats.org/presentationml/2006/main">
   <p:cSld>
     <p:bg>
@@ -7925,7 +9175,7 @@
 </p:sld>
 </file>
 
-<file path=ppt/slides/slide14.xml><?xml version="1.0" encoding="utf-8"?>
+<file path=ppt/slides/slide23.xml><?xml version="1.0" encoding="utf-8"?>
 <p:sld xmlns:a="http://schemas.openxmlformats.org/drawingml/2006/main" xmlns:r="http://schemas.openxmlformats.org/officeDocument/2006/relationships" xmlns:p="http://schemas.openxmlformats.org/presentationml/2006/main">
   <p:cSld>
     <p:spTree>
@@ -7942,206 +9192,6 @@
           <a:chExt cx="0" cy="0"/>
         </a:xfrm>
       </p:grpSpPr>
-    </p:spTree>
-  </p:cSld>
-  <p:clrMapOvr>
-    <a:masterClrMapping/>
-  </p:clrMapOvr>
-</p:sld>
-</file>
-
-<file path=ppt/slides/slide2.xml><?xml version="1.0" encoding="utf-8"?>
-<p:sld xmlns:a="http://schemas.openxmlformats.org/drawingml/2006/main" xmlns:r="http://schemas.openxmlformats.org/officeDocument/2006/relationships" xmlns:p="http://schemas.openxmlformats.org/presentationml/2006/main" showMasterSp="0">
-  <p:cSld>
-    <p:spTree>
-      <p:nvGrpSpPr>
-        <p:cNvPr id="1" name=""/>
-        <p:cNvGrpSpPr/>
-        <p:nvPr/>
-      </p:nvGrpSpPr>
-      <p:grpSpPr/>
-      <p:sp>
-        <p:nvSpPr>
-          <p:cNvPr id="2" name="Title 1"/>
-          <p:cNvSpPr>
-            <a:spLocks noGrp="1"/>
-          </p:cNvSpPr>
-          <p:nvPr>
-            <p:ph type="title"/>
-          </p:nvPr>
-        </p:nvSpPr>
-        <p:spPr>
-          <a:xfrm>
-            <a:off x="1487488" y="523903"/>
-            <a:ext cx="7584744" cy="859035"/>
-          </a:xfrm>
-        </p:spPr>
-        <p:txBody>
-          <a:bodyPr>
-            <a:normAutofit fontScale="90000"/>
-          </a:bodyPr>
-          <a:p>
-            <a:br>
-              <a:rPr lang="es-ES" altLang="en-US"/>
-            </a:br>
-            <a:endParaRPr lang="es-ES" altLang="en-US"/>
-          </a:p>
-        </p:txBody>
-      </p:sp>
-      <p:sp>
-        <p:nvSpPr>
-          <p:cNvPr id="3" name="Text Box 2"/>
-          <p:cNvSpPr txBox="1"/>
-          <p:nvPr/>
-        </p:nvSpPr>
-        <p:spPr>
-          <a:xfrm>
-            <a:off x="4169410" y="4260850"/>
-            <a:ext cx="4065270" cy="1938020"/>
-          </a:xfrm>
-          <a:prstGeom prst="rect">
-            <a:avLst/>
-          </a:prstGeom>
-          <a:noFill/>
-        </p:spPr>
-        <p:txBody>
-          <a:bodyPr wrap="square" rtlCol="0" anchor="t">
-            <a:spAutoFit/>
-          </a:bodyPr>
-          <a:p>
-            <a:pPr marL="457200" indent="-457200">
-              <a:buAutoNum type="arabicPeriod"/>
-            </a:pPr>
-            <a:r>
-              <a:rPr lang="es-ES" altLang="en-US">
-                <a:solidFill>
-                  <a:schemeClr val="bg1"/>
-                </a:solidFill>
-              </a:rPr>
-              <a:t>Best practices in Angular</a:t>
-            </a:r>
-            <a:endParaRPr lang="en-US">
-              <a:solidFill>
-                <a:schemeClr val="bg1"/>
-              </a:solidFill>
-            </a:endParaRPr>
-          </a:p>
-          <a:p>
-            <a:pPr marL="457200" indent="-457200">
-              <a:buAutoNum type="arabicPeriod"/>
-            </a:pPr>
-            <a:r>
-              <a:rPr lang="en-US">
-                <a:solidFill>
-                  <a:schemeClr val="bg1"/>
-                </a:solidFill>
-              </a:rPr>
-              <a:t>Angular CLI</a:t>
-            </a:r>
-            <a:endParaRPr lang="en-US">
-              <a:solidFill>
-                <a:schemeClr val="bg1"/>
-              </a:solidFill>
-            </a:endParaRPr>
-          </a:p>
-          <a:p>
-            <a:pPr marL="457200" indent="-457200">
-              <a:buAutoNum type="arabicPeriod"/>
-            </a:pPr>
-            <a:r>
-              <a:rPr lang="es-ES" altLang="en-US">
-                <a:solidFill>
-                  <a:schemeClr val="bg1"/>
-                </a:solidFill>
-                <a:sym typeface="+mn-ea"/>
-              </a:rPr>
-              <a:t>Automatic Documentation</a:t>
-            </a:r>
-            <a:endParaRPr lang="es-ES" altLang="en-US">
-              <a:solidFill>
-                <a:schemeClr val="bg1"/>
-              </a:solidFill>
-              <a:sym typeface="+mn-ea"/>
-            </a:endParaRPr>
-          </a:p>
-          <a:p>
-            <a:pPr marL="457200" indent="-457200">
-              <a:buAutoNum type="arabicPeriod"/>
-            </a:pPr>
-            <a:r>
-              <a:rPr lang="es-ES" altLang="en-US">
-                <a:solidFill>
-                  <a:schemeClr val="bg1"/>
-                </a:solidFill>
-              </a:rPr>
-              <a:t>Reactive Programming</a:t>
-            </a:r>
-            <a:endParaRPr lang="es-ES" altLang="en-US">
-              <a:solidFill>
-                <a:schemeClr val="bg1"/>
-              </a:solidFill>
-            </a:endParaRPr>
-          </a:p>
-          <a:p>
-            <a:pPr marL="457200" indent="-457200">
-              <a:buAutoNum type="arabicPeriod"/>
-            </a:pPr>
-            <a:endParaRPr lang="en-US">
-              <a:solidFill>
-                <a:schemeClr val="bg1"/>
-              </a:solidFill>
-            </a:endParaRPr>
-          </a:p>
-        </p:txBody>
-      </p:sp>
-      <p:pic>
-        <p:nvPicPr>
-          <p:cNvPr id="7" name="Picture 6" descr="Angular_full_color_logo.svg"/>
-          <p:cNvPicPr>
-            <a:picLocks noChangeAspect="1"/>
-          </p:cNvPicPr>
-          <p:nvPr/>
-        </p:nvPicPr>
-        <p:blipFill>
-          <a:blip r:embed="rId1"/>
-          <a:stretch>
-            <a:fillRect/>
-          </a:stretch>
-        </p:blipFill>
-        <p:spPr>
-          <a:xfrm>
-            <a:off x="3524885" y="1383030"/>
-            <a:ext cx="2529205" cy="2529205"/>
-          </a:xfrm>
-          <a:prstGeom prst="rect">
-            <a:avLst/>
-          </a:prstGeom>
-        </p:spPr>
-      </p:pic>
-      <p:pic>
-        <p:nvPicPr>
-          <p:cNvPr id="8" name="Picture 7" descr="typescript"/>
-          <p:cNvPicPr>
-            <a:picLocks noChangeAspect="1"/>
-          </p:cNvPicPr>
-          <p:nvPr/>
-        </p:nvPicPr>
-        <p:blipFill>
-          <a:blip r:embed="rId2"/>
-          <a:stretch>
-            <a:fillRect/>
-          </a:stretch>
-        </p:blipFill>
-        <p:spPr>
-          <a:xfrm>
-            <a:off x="6402070" y="1663065"/>
-            <a:ext cx="1980565" cy="1980565"/>
-          </a:xfrm>
-          <a:prstGeom prst="rect">
-            <a:avLst/>
-          </a:prstGeom>
-        </p:spPr>
-      </p:pic>
     </p:spTree>
   </p:cSld>
   <p:clrMapOvr>
@@ -9056,49 +10106,6 @@
           </a:p>
         </p:txBody>
       </p:sp>
-      <p:sp>
-        <p:nvSpPr>
-          <p:cNvPr id="4" name="Cuadro de texto 3"/>
-          <p:cNvSpPr txBox="1"/>
-          <p:nvPr/>
-        </p:nvSpPr>
-        <p:spPr>
-          <a:xfrm>
-            <a:off x="2493645" y="1876425"/>
-            <a:ext cx="6723380" cy="1198880"/>
-          </a:xfrm>
-          <a:prstGeom prst="rect">
-            <a:avLst/>
-          </a:prstGeom>
-          <a:noFill/>
-        </p:spPr>
-        <p:txBody>
-          <a:bodyPr wrap="square" rtlCol="0">
-            <a:spAutoFit/>
-          </a:bodyPr>
-          <a:p>
-            <a:r>
-              <a:rPr lang="es-ES" altLang="en-US"/>
-              <a:t>Subjetcs</a:t>
-            </a:r>
-            <a:endParaRPr lang="es-ES" altLang="en-US"/>
-          </a:p>
-          <a:p>
-            <a:r>
-              <a:rPr lang="es-ES" altLang="en-US"/>
-              <a:t>BehaviourSubcjet</a:t>
-            </a:r>
-            <a:endParaRPr lang="es-ES" altLang="en-US"/>
-          </a:p>
-          <a:p>
-            <a:r>
-              <a:rPr lang="es-ES" altLang="en-US"/>
-              <a:t>MultiCast</a:t>
-            </a:r>
-            <a:endParaRPr lang="es-ES" altLang="en-US"/>
-          </a:p>
-        </p:txBody>
-      </p:sp>
       <p:pic>
         <p:nvPicPr>
           <p:cNvPr id="6" name="Imagen 5" descr="subjectjpeg"/>
@@ -9115,7 +10122,7 @@
         </p:blipFill>
         <p:spPr>
           <a:xfrm>
-            <a:off x="5666740" y="1876425"/>
+            <a:off x="5379085" y="3104515"/>
             <a:ext cx="5799455" cy="2446020"/>
           </a:xfrm>
           <a:prstGeom prst="rect">
@@ -9123,6 +10130,35 @@
           </a:prstGeom>
         </p:spPr>
       </p:pic>
+      <p:sp>
+        <p:nvSpPr>
+          <p:cNvPr id="5" name="Cuadro de texto 4"/>
+          <p:cNvSpPr txBox="1"/>
+          <p:nvPr/>
+        </p:nvSpPr>
+        <p:spPr>
+          <a:xfrm>
+            <a:off x="299085" y="1690370"/>
+            <a:ext cx="5919470" cy="1568450"/>
+          </a:xfrm>
+          <a:prstGeom prst="rect">
+            <a:avLst/>
+          </a:prstGeom>
+          <a:noFill/>
+        </p:spPr>
+        <p:txBody>
+          <a:bodyPr wrap="square" rtlCol="0" anchor="t">
+            <a:spAutoFit/>
+          </a:bodyPr>
+          <a:p>
+            <a:r>
+              <a:rPr lang="es-ES" altLang="en-US"/>
+              <a:t>A Subject is like an Observable, but can multicast to many Observers. Subjects are like EventEmitters: they maintain a registry of many listeners.</a:t>
+            </a:r>
+            <a:endParaRPr lang="es-ES" altLang="en-US"/>
+          </a:p>
+        </p:txBody>
+      </p:sp>
     </p:spTree>
   </p:cSld>
   <p:clrMapOvr>

--- a/04_flow_events/04_flow_events.pptx
+++ b/04_flow_events/04_flow_events.pptx
@@ -7185,8 +7185,8 @@
         </p:blipFill>
         <p:spPr>
           <a:xfrm>
-            <a:off x="407670" y="5329555"/>
-            <a:ext cx="6851015" cy="845820"/>
+            <a:off x="407670" y="5162550"/>
+            <a:ext cx="8203565" cy="1012825"/>
           </a:xfrm>
           <a:prstGeom prst="rect">
             <a:avLst/>
@@ -7696,8 +7696,8 @@
         </p:blipFill>
         <p:spPr>
           <a:xfrm>
-            <a:off x="3041015" y="3602355"/>
-            <a:ext cx="6109970" cy="2601595"/>
+            <a:off x="1808480" y="2798445"/>
+            <a:ext cx="7164070" cy="3050540"/>
           </a:xfrm>
           <a:prstGeom prst="rect">
             <a:avLst/>

--- a/04_flow_events/04_flow_events.pptx
+++ b/04_flow_events/04_flow_events.pptx
@@ -7776,8 +7776,8 @@
         </p:nvSpPr>
         <p:spPr>
           <a:xfrm>
-            <a:off x="249555" y="2275840"/>
-            <a:ext cx="7729855" cy="1568450"/>
+            <a:off x="1066800" y="1405890"/>
+            <a:ext cx="9096375" cy="1568450"/>
           </a:xfrm>
           <a:prstGeom prst="rect">
             <a:avLst/>
@@ -7797,6 +7797,30 @@
           </a:p>
         </p:txBody>
       </p:sp>
+      <p:pic>
+        <p:nvPicPr>
+          <p:cNvPr id="4" name="Imagen 3" descr="event"/>
+          <p:cNvPicPr>
+            <a:picLocks noChangeAspect="1"/>
+          </p:cNvPicPr>
+          <p:nvPr/>
+        </p:nvPicPr>
+        <p:blipFill>
+          <a:blip r:embed="rId1"/>
+          <a:stretch>
+            <a:fillRect/>
+          </a:stretch>
+        </p:blipFill>
+        <p:spPr>
+          <a:xfrm>
+            <a:off x="1066800" y="3145155"/>
+            <a:ext cx="10058400" cy="3465195"/>
+          </a:xfrm>
+          <a:prstGeom prst="rect">
+            <a:avLst/>
+          </a:prstGeom>
+        </p:spPr>
+      </p:pic>
     </p:spTree>
   </p:cSld>
   <p:clrMapOvr>
@@ -7869,8 +7893,8 @@
         </p:nvSpPr>
         <p:spPr>
           <a:xfrm>
-            <a:off x="351155" y="1758315"/>
-            <a:ext cx="5344160" cy="1198880"/>
+            <a:off x="879475" y="1983740"/>
+            <a:ext cx="9112250" cy="829945"/>
           </a:xfrm>
           <a:prstGeom prst="rect">
             <a:avLst/>
@@ -7890,6 +7914,30 @@
           </a:p>
         </p:txBody>
       </p:sp>
+      <p:pic>
+        <p:nvPicPr>
+          <p:cNvPr id="4" name="Imagen 3" descr="http"/>
+          <p:cNvPicPr>
+            <a:picLocks noChangeAspect="1"/>
+          </p:cNvPicPr>
+          <p:nvPr/>
+        </p:nvPicPr>
+        <p:blipFill>
+          <a:blip r:embed="rId1"/>
+          <a:stretch>
+            <a:fillRect/>
+          </a:stretch>
+        </p:blipFill>
+        <p:spPr>
+          <a:xfrm>
+            <a:off x="1536700" y="3330575"/>
+            <a:ext cx="7658735" cy="2722245"/>
+          </a:xfrm>
+          <a:prstGeom prst="rect">
+            <a:avLst/>
+          </a:prstGeom>
+        </p:spPr>
+      </p:pic>
     </p:spTree>
   </p:cSld>
   <p:clrMapOvr>
@@ -7962,7 +8010,7 @@
         </p:nvSpPr>
         <p:spPr>
           <a:xfrm>
-            <a:off x="299085" y="1704975"/>
+            <a:off x="1340485" y="1759585"/>
             <a:ext cx="8570595" cy="1198880"/>
           </a:xfrm>
           <a:prstGeom prst="rect">
@@ -7983,6 +8031,30 @@
           </a:p>
         </p:txBody>
       </p:sp>
+      <p:pic>
+        <p:nvPicPr>
+          <p:cNvPr id="5" name="Imagen 4" descr="async_pipe"/>
+          <p:cNvPicPr>
+            <a:picLocks noChangeAspect="1"/>
+          </p:cNvPicPr>
+          <p:nvPr/>
+        </p:nvPicPr>
+        <p:blipFill>
+          <a:blip r:embed="rId1"/>
+          <a:stretch>
+            <a:fillRect/>
+          </a:stretch>
+        </p:blipFill>
+        <p:spPr>
+          <a:xfrm>
+            <a:off x="2788285" y="2903855"/>
+            <a:ext cx="5923280" cy="3702050"/>
+          </a:xfrm>
+          <a:prstGeom prst="rect">
+            <a:avLst/>
+          </a:prstGeom>
+        </p:spPr>
+      </p:pic>
     </p:spTree>
   </p:cSld>
   <p:clrMapOvr>
@@ -8255,8 +8327,8 @@
         </p:nvSpPr>
         <p:spPr>
           <a:xfrm>
-            <a:off x="299085" y="2139950"/>
-            <a:ext cx="7117080" cy="1938020"/>
+            <a:off x="633730" y="1876425"/>
+            <a:ext cx="10410825" cy="1198880"/>
           </a:xfrm>
           <a:prstGeom prst="rect">
             <a:avLst/>
@@ -8276,6 +8348,30 @@
           </a:p>
         </p:txBody>
       </p:sp>
+      <p:pic>
+        <p:nvPicPr>
+          <p:cNvPr id="5" name="Imagen 4" descr="router"/>
+          <p:cNvPicPr>
+            <a:picLocks noChangeAspect="1"/>
+          </p:cNvPicPr>
+          <p:nvPr/>
+        </p:nvPicPr>
+        <p:blipFill>
+          <a:blip r:embed="rId1"/>
+          <a:stretch>
+            <a:fillRect/>
+          </a:stretch>
+        </p:blipFill>
+        <p:spPr>
+          <a:xfrm>
+            <a:off x="3585845" y="3148965"/>
+            <a:ext cx="4505960" cy="3085465"/>
+          </a:xfrm>
+          <a:prstGeom prst="rect">
+            <a:avLst/>
+          </a:prstGeom>
+        </p:spPr>
+      </p:pic>
     </p:spTree>
   </p:cSld>
   <p:clrMapOvr>
